--- a/Presentation/Final_presentation.pptx
+++ b/Presentation/Final_presentation.pptx
@@ -6,13 +6,21 @@
   </p:sldMasterIdLst>
   <p:sldIdLst>
     <p:sldId id="256" r:id="rId2"/>
-    <p:sldId id="257" r:id="rId3"/>
-    <p:sldId id="258" r:id="rId4"/>
-    <p:sldId id="263" r:id="rId5"/>
-    <p:sldId id="259" r:id="rId6"/>
-    <p:sldId id="260" r:id="rId7"/>
-    <p:sldId id="261" r:id="rId8"/>
-    <p:sldId id="262" r:id="rId9"/>
+    <p:sldId id="268" r:id="rId3"/>
+    <p:sldId id="265" r:id="rId4"/>
+    <p:sldId id="270" r:id="rId5"/>
+    <p:sldId id="257" r:id="rId6"/>
+    <p:sldId id="266" r:id="rId7"/>
+    <p:sldId id="258" r:id="rId8"/>
+    <p:sldId id="263" r:id="rId9"/>
+    <p:sldId id="259" r:id="rId10"/>
+    <p:sldId id="260" r:id="rId11"/>
+    <p:sldId id="267" r:id="rId12"/>
+    <p:sldId id="271" r:id="rId13"/>
+    <p:sldId id="261" r:id="rId14"/>
+    <p:sldId id="264" r:id="rId15"/>
+    <p:sldId id="269" r:id="rId16"/>
+    <p:sldId id="262" r:id="rId17"/>
   </p:sldIdLst>
   <p:sldSz cx="12192000" cy="6858000"/>
   <p:notesSz cx="6858000" cy="9144000"/>
@@ -250,7 +258,7 @@
           <a:p>
             <a:fld id="{DD739D5A-5D6F-49E2-8205-C17B07202EA0}" type="datetimeFigureOut">
               <a:rPr lang="en-US" smtClean="0"/>
-              <a:t>7/7/2019</a:t>
+              <a:t>7/23/2019</a:t>
             </a:fld>
             <a:endParaRPr lang="en-US"/>
           </a:p>
@@ -420,7 +428,7 @@
           <a:p>
             <a:fld id="{DD739D5A-5D6F-49E2-8205-C17B07202EA0}" type="datetimeFigureOut">
               <a:rPr lang="en-US" smtClean="0"/>
-              <a:t>7/7/2019</a:t>
+              <a:t>7/23/2019</a:t>
             </a:fld>
             <a:endParaRPr lang="en-US"/>
           </a:p>
@@ -600,7 +608,7 @@
           <a:p>
             <a:fld id="{DD739D5A-5D6F-49E2-8205-C17B07202EA0}" type="datetimeFigureOut">
               <a:rPr lang="en-US" smtClean="0"/>
-              <a:t>7/7/2019</a:t>
+              <a:t>7/23/2019</a:t>
             </a:fld>
             <a:endParaRPr lang="en-US"/>
           </a:p>
@@ -770,7 +778,7 @@
           <a:p>
             <a:fld id="{DD739D5A-5D6F-49E2-8205-C17B07202EA0}" type="datetimeFigureOut">
               <a:rPr lang="en-US" smtClean="0"/>
-              <a:t>7/7/2019</a:t>
+              <a:t>7/23/2019</a:t>
             </a:fld>
             <a:endParaRPr lang="en-US"/>
           </a:p>
@@ -1016,7 +1024,7 @@
           <a:p>
             <a:fld id="{DD739D5A-5D6F-49E2-8205-C17B07202EA0}" type="datetimeFigureOut">
               <a:rPr lang="en-US" smtClean="0"/>
-              <a:t>7/7/2019</a:t>
+              <a:t>7/23/2019</a:t>
             </a:fld>
             <a:endParaRPr lang="en-US"/>
           </a:p>
@@ -1248,7 +1256,7 @@
           <a:p>
             <a:fld id="{DD739D5A-5D6F-49E2-8205-C17B07202EA0}" type="datetimeFigureOut">
               <a:rPr lang="en-US" smtClean="0"/>
-              <a:t>7/7/2019</a:t>
+              <a:t>7/23/2019</a:t>
             </a:fld>
             <a:endParaRPr lang="en-US"/>
           </a:p>
@@ -1615,7 +1623,7 @@
           <a:p>
             <a:fld id="{DD739D5A-5D6F-49E2-8205-C17B07202EA0}" type="datetimeFigureOut">
               <a:rPr lang="en-US" smtClean="0"/>
-              <a:t>7/7/2019</a:t>
+              <a:t>7/23/2019</a:t>
             </a:fld>
             <a:endParaRPr lang="en-US"/>
           </a:p>
@@ -1733,7 +1741,7 @@
           <a:p>
             <a:fld id="{DD739D5A-5D6F-49E2-8205-C17B07202EA0}" type="datetimeFigureOut">
               <a:rPr lang="en-US" smtClean="0"/>
-              <a:t>7/7/2019</a:t>
+              <a:t>7/23/2019</a:t>
             </a:fld>
             <a:endParaRPr lang="en-US"/>
           </a:p>
@@ -1828,7 +1836,7 @@
           <a:p>
             <a:fld id="{DD739D5A-5D6F-49E2-8205-C17B07202EA0}" type="datetimeFigureOut">
               <a:rPr lang="en-US" smtClean="0"/>
-              <a:t>7/7/2019</a:t>
+              <a:t>7/23/2019</a:t>
             </a:fld>
             <a:endParaRPr lang="en-US"/>
           </a:p>
@@ -2105,7 +2113,7 @@
           <a:p>
             <a:fld id="{DD739D5A-5D6F-49E2-8205-C17B07202EA0}" type="datetimeFigureOut">
               <a:rPr lang="en-US" smtClean="0"/>
-              <a:t>7/7/2019</a:t>
+              <a:t>7/23/2019</a:t>
             </a:fld>
             <a:endParaRPr lang="en-US"/>
           </a:p>
@@ -2358,7 +2366,7 @@
           <a:p>
             <a:fld id="{DD739D5A-5D6F-49E2-8205-C17B07202EA0}" type="datetimeFigureOut">
               <a:rPr lang="en-US" smtClean="0"/>
-              <a:t>7/7/2019</a:t>
+              <a:t>7/23/2019</a:t>
             </a:fld>
             <a:endParaRPr lang="en-US"/>
           </a:p>
@@ -2571,7 +2579,7 @@
           <a:p>
             <a:fld id="{DD739D5A-5D6F-49E2-8205-C17B07202EA0}" type="datetimeFigureOut">
               <a:rPr lang="en-US" smtClean="0"/>
-              <a:t>7/7/2019</a:t>
+              <a:t>7/23/2019</a:t>
             </a:fld>
             <a:endParaRPr lang="en-US"/>
           </a:p>
@@ -2986,12 +2994,21 @@
             <p:ph type="ctrTitle"/>
           </p:nvPr>
         </p:nvSpPr>
-        <p:spPr/>
-        <p:txBody>
-          <a:bodyPr/>
-          <a:lstStyle/>
-          <a:p>
-            <a:endParaRPr lang="en-US"/>
+        <p:spPr>
+          <a:xfrm>
+            <a:off x="1524000" y="779463"/>
+            <a:ext cx="9144000" cy="2387600"/>
+          </a:xfrm>
+        </p:spPr>
+        <p:txBody>
+          <a:bodyPr/>
+          <a:lstStyle/>
+          <a:p>
+            <a:r>
+              <a:rPr lang="en-US" b="1" dirty="0" smtClean="0"/>
+              <a:t>Gender Gap in Electronic Music Scene</a:t>
+            </a:r>
+            <a:endParaRPr lang="en-US" b="1" dirty="0"/>
           </a:p>
         </p:txBody>
       </p:sp>
@@ -3005,12 +3022,164 @@
             <p:ph type="subTitle" idx="1"/>
           </p:nvPr>
         </p:nvSpPr>
-        <p:spPr/>
-        <p:txBody>
-          <a:bodyPr/>
-          <a:lstStyle/>
-          <a:p>
-            <a:endParaRPr lang="en-US"/>
+        <p:spPr>
+          <a:xfrm>
+            <a:off x="1524000" y="3602038"/>
+            <a:ext cx="8327366" cy="1655762"/>
+          </a:xfrm>
+        </p:spPr>
+        <p:txBody>
+          <a:bodyPr>
+            <a:noAutofit/>
+          </a:bodyPr>
+          <a:lstStyle/>
+          <a:p>
+            <a:pPr algn="r">
+              <a:lnSpc>
+                <a:spcPct val="100000"/>
+              </a:lnSpc>
+            </a:pPr>
+            <a:r>
+              <a:rPr lang="en-US" sz="2000" b="1" i="1" dirty="0" err="1">
+                <a:latin typeface="Times New Roman" panose="02020603050405020304" pitchFamily="18" charset="0"/>
+                <a:cs typeface="Times New Roman" panose="02020603050405020304" pitchFamily="18" charset="0"/>
+              </a:rPr>
+              <a:t>Elif</a:t>
+            </a:r>
+            <a:r>
+              <a:rPr lang="en-US" sz="2000" b="1" i="1" dirty="0">
+                <a:latin typeface="Times New Roman" panose="02020603050405020304" pitchFamily="18" charset="0"/>
+                <a:cs typeface="Times New Roman" panose="02020603050405020304" pitchFamily="18" charset="0"/>
+              </a:rPr>
+              <a:t> </a:t>
+            </a:r>
+            <a:r>
+              <a:rPr lang="en-US" sz="2000" b="1" i="1" dirty="0" err="1">
+                <a:latin typeface="Times New Roman" panose="02020603050405020304" pitchFamily="18" charset="0"/>
+                <a:cs typeface="Times New Roman" panose="02020603050405020304" pitchFamily="18" charset="0"/>
+              </a:rPr>
+              <a:t>Alkac</a:t>
+            </a:r>
+            <a:endParaRPr lang="en-US" sz="2000" b="1" i="1" dirty="0">
+              <a:latin typeface="Times New Roman" panose="02020603050405020304" pitchFamily="18" charset="0"/>
+              <a:cs typeface="Times New Roman" panose="02020603050405020304" pitchFamily="18" charset="0"/>
+            </a:endParaRPr>
+          </a:p>
+          <a:p>
+            <a:pPr algn="r">
+              <a:lnSpc>
+                <a:spcPct val="100000"/>
+              </a:lnSpc>
+            </a:pPr>
+            <a:r>
+              <a:rPr lang="en-US" sz="2000" b="1" i="1" dirty="0" err="1" smtClean="0">
+                <a:latin typeface="Times New Roman" panose="02020603050405020304" pitchFamily="18" charset="0"/>
+                <a:cs typeface="Times New Roman" panose="02020603050405020304" pitchFamily="18" charset="0"/>
+              </a:rPr>
+              <a:t>Milad</a:t>
+            </a:r>
+            <a:r>
+              <a:rPr lang="en-US" sz="2000" b="1" i="1" dirty="0" smtClean="0">
+                <a:latin typeface="Times New Roman" panose="02020603050405020304" pitchFamily="18" charset="0"/>
+                <a:cs typeface="Times New Roman" panose="02020603050405020304" pitchFamily="18" charset="0"/>
+              </a:rPr>
+              <a:t> </a:t>
+            </a:r>
+            <a:r>
+              <a:rPr lang="en-US" sz="2000" b="1" i="1" dirty="0" err="1" smtClean="0">
+                <a:latin typeface="Times New Roman" panose="02020603050405020304" pitchFamily="18" charset="0"/>
+                <a:cs typeface="Times New Roman" panose="02020603050405020304" pitchFamily="18" charset="0"/>
+              </a:rPr>
+              <a:t>Qasemi</a:t>
+            </a:r>
+            <a:endParaRPr lang="en-US" sz="2000" b="1" i="1" dirty="0" smtClean="0">
+              <a:latin typeface="Times New Roman" panose="02020603050405020304" pitchFamily="18" charset="0"/>
+              <a:cs typeface="Times New Roman" panose="02020603050405020304" pitchFamily="18" charset="0"/>
+            </a:endParaRPr>
+          </a:p>
+          <a:p>
+            <a:pPr algn="r">
+              <a:lnSpc>
+                <a:spcPct val="100000"/>
+              </a:lnSpc>
+            </a:pPr>
+            <a:r>
+              <a:rPr lang="en-US" sz="2000" b="1" i="1" dirty="0" err="1" smtClean="0">
+                <a:latin typeface="Times New Roman" panose="02020603050405020304" pitchFamily="18" charset="0"/>
+                <a:cs typeface="Times New Roman" panose="02020603050405020304" pitchFamily="18" charset="0"/>
+              </a:rPr>
+              <a:t>Tanvir</a:t>
+            </a:r>
+            <a:r>
+              <a:rPr lang="en-US" sz="2000" b="1" i="1" dirty="0" smtClean="0">
+                <a:latin typeface="Times New Roman" panose="02020603050405020304" pitchFamily="18" charset="0"/>
+                <a:cs typeface="Times New Roman" panose="02020603050405020304" pitchFamily="18" charset="0"/>
+              </a:rPr>
+              <a:t> Ahmed</a:t>
+            </a:r>
+          </a:p>
+          <a:p>
+            <a:pPr algn="r">
+              <a:lnSpc>
+                <a:spcPct val="100000"/>
+              </a:lnSpc>
+            </a:pPr>
+            <a:r>
+              <a:rPr lang="en-US" sz="2000" b="1" i="1" dirty="0" smtClean="0">
+                <a:latin typeface="Times New Roman" panose="02020603050405020304" pitchFamily="18" charset="0"/>
+                <a:cs typeface="Times New Roman" panose="02020603050405020304" pitchFamily="18" charset="0"/>
+              </a:rPr>
+              <a:t>Mehdi </a:t>
+            </a:r>
+            <a:r>
+              <a:rPr lang="en-US" sz="2000" b="1" i="1" dirty="0" err="1">
+                <a:latin typeface="Times New Roman" panose="02020603050405020304" pitchFamily="18" charset="0"/>
+                <a:cs typeface="Times New Roman" panose="02020603050405020304" pitchFamily="18" charset="0"/>
+              </a:rPr>
+              <a:t>Bagheri</a:t>
+            </a:r>
+            <a:endParaRPr lang="en-US" sz="2000" b="1" i="1" dirty="0">
+              <a:latin typeface="Times New Roman" panose="02020603050405020304" pitchFamily="18" charset="0"/>
+              <a:cs typeface="Times New Roman" panose="02020603050405020304" pitchFamily="18" charset="0"/>
+            </a:endParaRPr>
+          </a:p>
+          <a:p>
+            <a:pPr algn="r">
+              <a:lnSpc>
+                <a:spcPct val="100000"/>
+              </a:lnSpc>
+            </a:pPr>
+            <a:r>
+              <a:rPr lang="en-US" sz="2000" b="1" i="1" dirty="0" smtClean="0">
+                <a:latin typeface="Times New Roman" panose="02020603050405020304" pitchFamily="18" charset="0"/>
+                <a:cs typeface="Times New Roman" panose="02020603050405020304" pitchFamily="18" charset="0"/>
+              </a:rPr>
+              <a:t>Abdur </a:t>
+            </a:r>
+            <a:r>
+              <a:rPr lang="en-US" sz="2000" b="1" i="1" dirty="0">
+                <a:latin typeface="Times New Roman" panose="02020603050405020304" pitchFamily="18" charset="0"/>
+                <a:cs typeface="Times New Roman" panose="02020603050405020304" pitchFamily="18" charset="0"/>
+              </a:rPr>
+              <a:t>Rahman</a:t>
+            </a:r>
+          </a:p>
+          <a:p>
+            <a:pPr algn="r">
+              <a:lnSpc>
+                <a:spcPct val="100000"/>
+              </a:lnSpc>
+            </a:pPr>
+            <a:endParaRPr lang="en-US" sz="2000" b="1" i="1" dirty="0">
+              <a:latin typeface="Times New Roman" panose="02020603050405020304" pitchFamily="18" charset="0"/>
+              <a:cs typeface="Times New Roman" panose="02020603050405020304" pitchFamily="18" charset="0"/>
+            </a:endParaRPr>
+          </a:p>
+          <a:p>
+            <a:endParaRPr lang="en-US" sz="2000" b="1" i="1" dirty="0">
+              <a:latin typeface="Times New Roman" panose="02020603050405020304" pitchFamily="18" charset="0"/>
+              <a:cs typeface="Times New Roman" panose="02020603050405020304" pitchFamily="18" charset="0"/>
+            </a:endParaRPr>
           </a:p>
         </p:txBody>
       </p:sp>
@@ -3027,7 +3196,7 @@
 </p:sld>
 </file>
 
-<file path=ppt/slides/slide2.xml><?xml version="1.0" encoding="utf-8"?>
+<file path=ppt/slides/slide10.xml><?xml version="1.0" encoding="utf-8"?>
 <p:sld xmlns:a="http://schemas.openxmlformats.org/drawingml/2006/main" xmlns:r="http://schemas.openxmlformats.org/officeDocument/2006/relationships" xmlns:p="http://schemas.openxmlformats.org/presentationml/2006/main">
   <p:cSld>
     <p:spTree>
@@ -3061,490 +3230,14 @@
           <a:p>
             <a:r>
               <a:rPr lang="en-US" dirty="0" smtClean="0"/>
-              <a:t>Data Crawling</a:t>
+              <a:t>Payment Gap</a:t>
             </a:r>
             <a:endParaRPr lang="en-US" dirty="0"/>
           </a:p>
         </p:txBody>
       </p:sp>
-      <p:sp>
-        <p:nvSpPr>
-          <p:cNvPr id="3" name="Content Placeholder 2"/>
-          <p:cNvSpPr>
-            <a:spLocks noGrp="1"/>
-          </p:cNvSpPr>
-          <p:nvPr>
-            <p:ph idx="1"/>
-          </p:nvPr>
-        </p:nvSpPr>
-        <p:spPr/>
-        <p:txBody>
-          <a:bodyPr/>
-          <a:lstStyle/>
-          <a:p>
-            <a:r>
-              <a:rPr lang="en-US" dirty="0" smtClean="0"/>
-              <a:t>Randomly 501 </a:t>
-            </a:r>
-          </a:p>
-          <a:p>
-            <a:r>
-              <a:rPr lang="en-US" dirty="0" smtClean="0"/>
-              <a:t>2.2% was wrong</a:t>
-            </a:r>
-            <a:endParaRPr lang="en-US" dirty="0"/>
-          </a:p>
-        </p:txBody>
-      </p:sp>
-    </p:spTree>
-    <p:extLst>
-      <p:ext uri="{BB962C8B-B14F-4D97-AF65-F5344CB8AC3E}">
-        <p14:creationId xmlns:p14="http://schemas.microsoft.com/office/powerpoint/2010/main" val="895370"/>
-      </p:ext>
-    </p:extLst>
-  </p:cSld>
-  <p:clrMapOvr>
-    <a:masterClrMapping/>
-  </p:clrMapOvr>
-</p:sld>
-</file>
-
-<file path=ppt/slides/slide3.xml><?xml version="1.0" encoding="utf-8"?>
-<p:sld xmlns:a="http://schemas.openxmlformats.org/drawingml/2006/main" xmlns:r="http://schemas.openxmlformats.org/officeDocument/2006/relationships" xmlns:p="http://schemas.openxmlformats.org/presentationml/2006/main">
-  <p:cSld>
-    <p:spTree>
-      <p:nvGrpSpPr>
-        <p:cNvPr id="1" name=""/>
-        <p:cNvGrpSpPr/>
-        <p:nvPr/>
-      </p:nvGrpSpPr>
-      <p:grpSpPr>
-        <a:xfrm>
-          <a:off x="0" y="0"/>
-          <a:ext cx="0" cy="0"/>
-          <a:chOff x="0" y="0"/>
-          <a:chExt cx="0" cy="0"/>
-        </a:xfrm>
-      </p:grpSpPr>
-      <p:sp>
-        <p:nvSpPr>
-          <p:cNvPr id="2" name="Title 1"/>
-          <p:cNvSpPr>
-            <a:spLocks noGrp="1"/>
-          </p:cNvSpPr>
-          <p:nvPr>
-            <p:ph type="title"/>
-          </p:nvPr>
-        </p:nvSpPr>
-        <p:spPr/>
-        <p:txBody>
-          <a:bodyPr/>
-          <a:lstStyle/>
-          <a:p>
-            <a:r>
-              <a:rPr lang="en-US" dirty="0" smtClean="0"/>
-              <a:t>Representation Gap</a:t>
-            </a:r>
-            <a:endParaRPr lang="en-US" dirty="0"/>
-          </a:p>
-        </p:txBody>
-      </p:sp>
-      <p:sp>
-        <p:nvSpPr>
-          <p:cNvPr id="3" name="Content Placeholder 2"/>
-          <p:cNvSpPr>
-            <a:spLocks noGrp="1"/>
-          </p:cNvSpPr>
-          <p:nvPr>
-            <p:ph idx="1"/>
-          </p:nvPr>
-        </p:nvSpPr>
-        <p:spPr/>
-        <p:txBody>
-          <a:bodyPr/>
-          <a:lstStyle/>
-          <a:p>
-            <a:r>
-              <a:rPr lang="en-US" dirty="0" smtClean="0"/>
-              <a:t>Total data 16915</a:t>
-            </a:r>
-          </a:p>
-          <a:p>
-            <a:r>
-              <a:rPr lang="en-US" dirty="0" smtClean="0"/>
-              <a:t>Male 89.27%</a:t>
-            </a:r>
-          </a:p>
-          <a:p>
-            <a:r>
-              <a:rPr lang="en-US" dirty="0" smtClean="0"/>
-              <a:t>Female 10.73%</a:t>
-            </a:r>
-            <a:endParaRPr lang="en-US" dirty="0"/>
-          </a:p>
-        </p:txBody>
-      </p:sp>
-      <p:pic>
-        <p:nvPicPr>
-          <p:cNvPr id="4" name="Picture 3"/>
-          <p:cNvPicPr>
-            <a:picLocks noChangeAspect="1"/>
-          </p:cNvPicPr>
-          <p:nvPr/>
-        </p:nvPicPr>
-        <p:blipFill>
-          <a:blip r:embed="rId2">
-            <a:extLst>
-              <a:ext uri="{28A0092B-C50C-407E-A947-70E740481C1C}">
-                <a14:useLocalDpi xmlns:a14="http://schemas.microsoft.com/office/drawing/2010/main" val="0"/>
-              </a:ext>
-            </a:extLst>
-          </a:blip>
-          <a:stretch>
-            <a:fillRect/>
-          </a:stretch>
-        </p:blipFill>
-        <p:spPr>
-          <a:xfrm>
-            <a:off x="5154706" y="1972324"/>
-            <a:ext cx="4410911" cy="3146523"/>
-          </a:xfrm>
-          <a:prstGeom prst="rect">
-            <a:avLst/>
-          </a:prstGeom>
-        </p:spPr>
-      </p:pic>
-    </p:spTree>
-    <p:extLst>
-      <p:ext uri="{BB962C8B-B14F-4D97-AF65-F5344CB8AC3E}">
-        <p14:creationId xmlns:p14="http://schemas.microsoft.com/office/powerpoint/2010/main" val="2852932878"/>
-      </p:ext>
-    </p:extLst>
-  </p:cSld>
-  <p:clrMapOvr>
-    <a:masterClrMapping/>
-  </p:clrMapOvr>
-</p:sld>
-</file>
-
-<file path=ppt/slides/slide4.xml><?xml version="1.0" encoding="utf-8"?>
-<p:sld xmlns:a="http://schemas.openxmlformats.org/drawingml/2006/main" xmlns:r="http://schemas.openxmlformats.org/officeDocument/2006/relationships" xmlns:p="http://schemas.openxmlformats.org/presentationml/2006/main">
-  <p:cSld>
-    <p:spTree>
-      <p:nvGrpSpPr>
-        <p:cNvPr id="1" name=""/>
-        <p:cNvGrpSpPr/>
-        <p:nvPr/>
-      </p:nvGrpSpPr>
-      <p:grpSpPr>
-        <a:xfrm>
-          <a:off x="0" y="0"/>
-          <a:ext cx="0" cy="0"/>
-          <a:chOff x="0" y="0"/>
-          <a:chExt cx="0" cy="0"/>
-        </a:xfrm>
-      </p:grpSpPr>
-      <p:sp>
-        <p:nvSpPr>
-          <p:cNvPr id="2" name="Title 1"/>
-          <p:cNvSpPr>
-            <a:spLocks noGrp="1"/>
-          </p:cNvSpPr>
-          <p:nvPr>
-            <p:ph type="title"/>
-          </p:nvPr>
-        </p:nvSpPr>
-        <p:spPr/>
-        <p:txBody>
-          <a:bodyPr/>
-          <a:lstStyle/>
-          <a:p>
-            <a:r>
-              <a:rPr lang="en-US" dirty="0" smtClean="0"/>
-              <a:t>Trend Over the Years</a:t>
-            </a:r>
-            <a:endParaRPr lang="en-US" dirty="0"/>
-          </a:p>
-        </p:txBody>
-      </p:sp>
-      <p:pic>
-        <p:nvPicPr>
-          <p:cNvPr id="4" name="Content Placeholder 3"/>
-          <p:cNvPicPr>
-            <a:picLocks noGrp="1" noChangeAspect="1"/>
-          </p:cNvPicPr>
-          <p:nvPr>
-            <p:ph idx="1"/>
-          </p:nvPr>
-        </p:nvPicPr>
-        <p:blipFill>
-          <a:blip r:embed="rId2">
-            <a:extLst>
-              <a:ext uri="{28A0092B-C50C-407E-A947-70E740481C1C}">
-                <a14:useLocalDpi xmlns:a14="http://schemas.microsoft.com/office/drawing/2010/main" val="0"/>
-              </a:ext>
-            </a:extLst>
-          </a:blip>
-          <a:stretch>
-            <a:fillRect/>
-          </a:stretch>
-        </p:blipFill>
-        <p:spPr>
-          <a:xfrm>
-            <a:off x="5516691" y="2145170"/>
-            <a:ext cx="4620270" cy="3287442"/>
-          </a:xfrm>
-        </p:spPr>
-      </p:pic>
-      <p:pic>
-        <p:nvPicPr>
-          <p:cNvPr id="5" name="Picture 4"/>
-          <p:cNvPicPr>
-            <a:picLocks noChangeAspect="1"/>
-          </p:cNvPicPr>
-          <p:nvPr/>
-        </p:nvPicPr>
-        <p:blipFill>
-          <a:blip r:embed="rId3">
-            <a:extLst>
-              <a:ext uri="{28A0092B-C50C-407E-A947-70E740481C1C}">
-                <a14:useLocalDpi xmlns:a14="http://schemas.microsoft.com/office/drawing/2010/main" val="0"/>
-              </a:ext>
-            </a:extLst>
-          </a:blip>
-          <a:stretch>
-            <a:fillRect/>
-          </a:stretch>
-        </p:blipFill>
-        <p:spPr>
-          <a:xfrm>
-            <a:off x="991685" y="2145170"/>
-            <a:ext cx="4525006" cy="3287442"/>
-          </a:xfrm>
-          <a:prstGeom prst="rect">
-            <a:avLst/>
-          </a:prstGeom>
-        </p:spPr>
-      </p:pic>
-    </p:spTree>
-    <p:extLst>
-      <p:ext uri="{BB962C8B-B14F-4D97-AF65-F5344CB8AC3E}">
-        <p14:creationId xmlns:p14="http://schemas.microsoft.com/office/powerpoint/2010/main" val="2032142904"/>
-      </p:ext>
-    </p:extLst>
-  </p:cSld>
-  <p:clrMapOvr>
-    <a:masterClrMapping/>
-  </p:clrMapOvr>
-</p:sld>
-</file>
-
-<file path=ppt/slides/slide5.xml><?xml version="1.0" encoding="utf-8"?>
-<p:sld xmlns:a="http://schemas.openxmlformats.org/drawingml/2006/main" xmlns:r="http://schemas.openxmlformats.org/officeDocument/2006/relationships" xmlns:p="http://schemas.openxmlformats.org/presentationml/2006/main">
-  <p:cSld>
-    <p:spTree>
-      <p:nvGrpSpPr>
-        <p:cNvPr id="1" name=""/>
-        <p:cNvGrpSpPr/>
-        <p:nvPr/>
-      </p:nvGrpSpPr>
-      <p:grpSpPr>
-        <a:xfrm>
-          <a:off x="0" y="0"/>
-          <a:ext cx="0" cy="0"/>
-          <a:chOff x="0" y="0"/>
-          <a:chExt cx="0" cy="0"/>
-        </a:xfrm>
-      </p:grpSpPr>
-      <p:sp>
-        <p:nvSpPr>
-          <p:cNvPr id="2" name="Title 1"/>
-          <p:cNvSpPr>
-            <a:spLocks noGrp="1"/>
-          </p:cNvSpPr>
-          <p:nvPr>
-            <p:ph type="title"/>
-          </p:nvPr>
-        </p:nvSpPr>
-        <p:spPr/>
-        <p:txBody>
-          <a:bodyPr/>
-          <a:lstStyle/>
-          <a:p>
-            <a:r>
-              <a:rPr lang="en-US" dirty="0" smtClean="0"/>
-              <a:t>Productivity Gap</a:t>
-            </a:r>
-            <a:endParaRPr lang="en-US" dirty="0"/>
-          </a:p>
-        </p:txBody>
-      </p:sp>
-      <p:sp>
-        <p:nvSpPr>
-          <p:cNvPr id="3" name="Content Placeholder 2"/>
-          <p:cNvSpPr>
-            <a:spLocks noGrp="1"/>
-          </p:cNvSpPr>
-          <p:nvPr>
-            <p:ph idx="1"/>
-          </p:nvPr>
-        </p:nvSpPr>
-        <p:spPr/>
-        <p:txBody>
-          <a:bodyPr/>
-          <a:lstStyle/>
-          <a:p>
-            <a:r>
-              <a:rPr lang="en-US" dirty="0" smtClean="0"/>
-              <a:t>Total Releases by</a:t>
-            </a:r>
-          </a:p>
-          <a:p>
-            <a:pPr marL="0" indent="0">
-              <a:buNone/>
-            </a:pPr>
-            <a:r>
-              <a:rPr lang="en-US" dirty="0" smtClean="0"/>
-              <a:t>    Male    218352</a:t>
-            </a:r>
-          </a:p>
-          <a:p>
-            <a:pPr marL="0" indent="0">
-              <a:buNone/>
-            </a:pPr>
-            <a:r>
-              <a:rPr lang="en-US" dirty="0"/>
-              <a:t> </a:t>
-            </a:r>
-            <a:r>
-              <a:rPr lang="en-US" dirty="0" smtClean="0"/>
-              <a:t>   Female  13354</a:t>
-            </a:r>
-          </a:p>
-          <a:p>
-            <a:pPr marL="0" indent="0">
-              <a:buNone/>
-            </a:pPr>
-            <a:endParaRPr lang="en-US" dirty="0" smtClean="0"/>
-          </a:p>
-          <a:p>
-            <a:pPr marL="0" indent="0">
-              <a:buNone/>
-            </a:pPr>
-            <a:endParaRPr lang="en-US" dirty="0"/>
-          </a:p>
-          <a:p>
-            <a:pPr marL="0" indent="0">
-              <a:buNone/>
-            </a:pPr>
-            <a:endParaRPr lang="en-US" dirty="0" smtClean="0"/>
-          </a:p>
-          <a:p>
-            <a:pPr marL="0" indent="0">
-              <a:buNone/>
-            </a:pPr>
-            <a:endParaRPr lang="en-US" dirty="0"/>
-          </a:p>
-          <a:p>
-            <a:pPr marL="0" indent="0">
-              <a:buNone/>
-            </a:pPr>
-            <a:r>
-              <a:rPr lang="en-US" dirty="0" smtClean="0"/>
-              <a:t>Male artists have on an average double releases than Female artists.</a:t>
-            </a:r>
-            <a:endParaRPr lang="en-US" dirty="0"/>
-          </a:p>
-          <a:p>
-            <a:endParaRPr lang="en-US" dirty="0"/>
-          </a:p>
-        </p:txBody>
-      </p:sp>
-      <p:pic>
-        <p:nvPicPr>
-          <p:cNvPr id="4" name="Picture 3"/>
-          <p:cNvPicPr>
-            <a:picLocks noChangeAspect="1"/>
-          </p:cNvPicPr>
-          <p:nvPr/>
-        </p:nvPicPr>
-        <p:blipFill>
-          <a:blip r:embed="rId2">
-            <a:extLst>
-              <a:ext uri="{28A0092B-C50C-407E-A947-70E740481C1C}">
-                <a14:useLocalDpi xmlns:a14="http://schemas.microsoft.com/office/drawing/2010/main" val="0"/>
-              </a:ext>
-            </a:extLst>
-          </a:blip>
-          <a:stretch>
-            <a:fillRect/>
-          </a:stretch>
-        </p:blipFill>
-        <p:spPr>
-          <a:xfrm>
-            <a:off x="4643718" y="1604682"/>
-            <a:ext cx="6508375" cy="3263153"/>
-          </a:xfrm>
-          <a:prstGeom prst="rect">
-            <a:avLst/>
-          </a:prstGeom>
-        </p:spPr>
-      </p:pic>
-    </p:spTree>
-    <p:extLst>
-      <p:ext uri="{BB962C8B-B14F-4D97-AF65-F5344CB8AC3E}">
-        <p14:creationId xmlns:p14="http://schemas.microsoft.com/office/powerpoint/2010/main" val="3061436050"/>
-      </p:ext>
-    </p:extLst>
-  </p:cSld>
-  <p:clrMapOvr>
-    <a:masterClrMapping/>
-  </p:clrMapOvr>
-</p:sld>
-</file>
-
-<file path=ppt/slides/slide6.xml><?xml version="1.0" encoding="utf-8"?>
-<p:sld xmlns:a="http://schemas.openxmlformats.org/drawingml/2006/main" xmlns:r="http://schemas.openxmlformats.org/officeDocument/2006/relationships" xmlns:p="http://schemas.openxmlformats.org/presentationml/2006/main">
-  <p:cSld>
-    <p:spTree>
-      <p:nvGrpSpPr>
-        <p:cNvPr id="1" name=""/>
-        <p:cNvGrpSpPr/>
-        <p:nvPr/>
-      </p:nvGrpSpPr>
-      <p:grpSpPr>
-        <a:xfrm>
-          <a:off x="0" y="0"/>
-          <a:ext cx="0" cy="0"/>
-          <a:chOff x="0" y="0"/>
-          <a:chExt cx="0" cy="0"/>
-        </a:xfrm>
-      </p:grpSpPr>
-      <p:sp>
-        <p:nvSpPr>
-          <p:cNvPr id="2" name="Title 1"/>
-          <p:cNvSpPr>
-            <a:spLocks noGrp="1"/>
-          </p:cNvSpPr>
-          <p:nvPr>
-            <p:ph type="title"/>
-          </p:nvPr>
-        </p:nvSpPr>
-        <p:spPr/>
-        <p:txBody>
-          <a:bodyPr/>
-          <a:lstStyle/>
-          <a:p>
-            <a:r>
-              <a:rPr lang="en-US" dirty="0" smtClean="0"/>
-              <a:t>Payment Gap</a:t>
-            </a:r>
-            <a:endParaRPr lang="en-US" dirty="0"/>
-          </a:p>
-        </p:txBody>
-      </p:sp>
-      <mc:AlternateContent xmlns:mc="http://schemas.openxmlformats.org/markup-compatibility/2006">
-        <mc:Choice xmlns:a14="http://schemas.microsoft.com/office/drawing/2010/main" Requires="a14">
+      <mc:AlternateContent xmlns:mc="http://schemas.openxmlformats.org/markup-compatibility/2006" xmlns:a14="http://schemas.microsoft.com/office/drawing/2010/main">
+        <mc:Choice Requires="a14">
           <p:sp>
             <p:nvSpPr>
               <p:cNvPr id="3" name="Content Placeholder 2"/>
@@ -3889,7 +3582,6 @@
                   <a:rPr lang="en-US" dirty="0" smtClean="0"/>
                   <a:t>				</a:t>
                 </a:r>
-                <a:endParaRPr lang="en-US" dirty="0" smtClean="0"/>
               </a:p>
               <a:p>
                 <a14:m>
@@ -4208,7 +3900,7 @@
             </p:txBody>
           </p:sp>
         </mc:Choice>
-        <mc:Fallback>
+        <mc:Fallback xmlns="">
           <p:sp>
             <p:nvSpPr>
               <p:cNvPr id="3" name="Content Placeholder 2"/>
@@ -4259,6 +3951,1716 @@
 </p:sld>
 </file>
 
+<file path=ppt/slides/slide11.xml><?xml version="1.0" encoding="utf-8"?>
+<p:sld xmlns:a="http://schemas.openxmlformats.org/drawingml/2006/main" xmlns:r="http://schemas.openxmlformats.org/officeDocument/2006/relationships" xmlns:p="http://schemas.openxmlformats.org/presentationml/2006/main">
+  <p:cSld>
+    <p:spTree>
+      <p:nvGrpSpPr>
+        <p:cNvPr id="1" name=""/>
+        <p:cNvGrpSpPr/>
+        <p:nvPr/>
+      </p:nvGrpSpPr>
+      <p:grpSpPr>
+        <a:xfrm>
+          <a:off x="0" y="0"/>
+          <a:ext cx="0" cy="0"/>
+          <a:chOff x="0" y="0"/>
+          <a:chExt cx="0" cy="0"/>
+        </a:xfrm>
+      </p:grpSpPr>
+      <p:sp>
+        <p:nvSpPr>
+          <p:cNvPr id="2" name="Title 1"/>
+          <p:cNvSpPr>
+            <a:spLocks noGrp="1"/>
+          </p:cNvSpPr>
+          <p:nvPr>
+            <p:ph type="title"/>
+          </p:nvPr>
+        </p:nvSpPr>
+        <p:spPr/>
+        <p:txBody>
+          <a:bodyPr/>
+          <a:lstStyle/>
+          <a:p>
+            <a:r>
+              <a:rPr lang="en-US" dirty="0" smtClean="0"/>
+              <a:t>Discussion</a:t>
+            </a:r>
+            <a:endParaRPr lang="en-US" dirty="0"/>
+          </a:p>
+        </p:txBody>
+      </p:sp>
+      <p:sp>
+        <p:nvSpPr>
+          <p:cNvPr id="3" name="Content Placeholder 2"/>
+          <p:cNvSpPr>
+            <a:spLocks noGrp="1"/>
+          </p:cNvSpPr>
+          <p:nvPr>
+            <p:ph idx="1"/>
+          </p:nvPr>
+        </p:nvSpPr>
+        <p:spPr/>
+        <p:txBody>
+          <a:bodyPr/>
+          <a:lstStyle/>
+          <a:p>
+            <a:r>
+              <a:rPr lang="en-US" dirty="0" smtClean="0"/>
+              <a:t>Participation of Male and Female is 9:1</a:t>
+            </a:r>
+          </a:p>
+          <a:p>
+            <a:r>
+              <a:rPr lang="en-US" dirty="0" smtClean="0"/>
+              <a:t>Steady increase after 2010 for Female</a:t>
+            </a:r>
+          </a:p>
+          <a:p>
+            <a:endParaRPr lang="en-US" dirty="0"/>
+          </a:p>
+        </p:txBody>
+      </p:sp>
+    </p:spTree>
+    <p:extLst>
+      <p:ext uri="{BB962C8B-B14F-4D97-AF65-F5344CB8AC3E}">
+        <p14:creationId xmlns:p14="http://schemas.microsoft.com/office/powerpoint/2010/main" val="1529137799"/>
+      </p:ext>
+    </p:extLst>
+  </p:cSld>
+  <p:clrMapOvr>
+    <a:masterClrMapping/>
+  </p:clrMapOvr>
+</p:sld>
+</file>
+
+<file path=ppt/slides/slide12.xml><?xml version="1.0" encoding="utf-8"?>
+<p:sld xmlns:a="http://schemas.openxmlformats.org/drawingml/2006/main" xmlns:r="http://schemas.openxmlformats.org/officeDocument/2006/relationships" xmlns:p="http://schemas.openxmlformats.org/presentationml/2006/main">
+  <p:cSld>
+    <p:spTree>
+      <p:nvGrpSpPr>
+        <p:cNvPr id="1" name=""/>
+        <p:cNvGrpSpPr/>
+        <p:nvPr/>
+      </p:nvGrpSpPr>
+      <p:grpSpPr>
+        <a:xfrm>
+          <a:off x="0" y="0"/>
+          <a:ext cx="0" cy="0"/>
+          <a:chOff x="0" y="0"/>
+          <a:chExt cx="0" cy="0"/>
+        </a:xfrm>
+      </p:grpSpPr>
+      <p:sp>
+        <p:nvSpPr>
+          <p:cNvPr id="2" name="Title 1"/>
+          <p:cNvSpPr>
+            <a:spLocks noGrp="1"/>
+          </p:cNvSpPr>
+          <p:nvPr>
+            <p:ph type="title"/>
+          </p:nvPr>
+        </p:nvSpPr>
+        <p:spPr/>
+        <p:txBody>
+          <a:bodyPr/>
+          <a:lstStyle/>
+          <a:p>
+            <a:r>
+              <a:rPr lang="en-US" dirty="0"/>
+              <a:t>Challenges</a:t>
+            </a:r>
+          </a:p>
+        </p:txBody>
+      </p:sp>
+      <p:sp>
+        <p:nvSpPr>
+          <p:cNvPr id="3" name="Content Placeholder 2"/>
+          <p:cNvSpPr>
+            <a:spLocks noGrp="1"/>
+          </p:cNvSpPr>
+          <p:nvPr>
+            <p:ph idx="1"/>
+          </p:nvPr>
+        </p:nvSpPr>
+        <p:spPr/>
+        <p:txBody>
+          <a:bodyPr/>
+          <a:lstStyle/>
+          <a:p>
+            <a:pPr fontAlgn="base"/>
+            <a:r>
+              <a:rPr lang="en-US" dirty="0"/>
+              <a:t>Getting blocked by web server</a:t>
+            </a:r>
+          </a:p>
+          <a:p>
+            <a:pPr marL="0" indent="0">
+              <a:buNone/>
+            </a:pPr>
+            <a:r>
+              <a:rPr lang="en-US" dirty="0" smtClean="0"/>
+              <a:t>		Solutions</a:t>
+            </a:r>
+            <a:r>
+              <a:rPr lang="en-US" dirty="0"/>
+              <a:t>: rotating proxy, back off timer</a:t>
+            </a:r>
+          </a:p>
+          <a:p>
+            <a:pPr fontAlgn="base"/>
+            <a:r>
+              <a:rPr lang="en-US" dirty="0"/>
+              <a:t>Translating non English elements(e.g. countries)</a:t>
+            </a:r>
+          </a:p>
+          <a:p>
+            <a:pPr fontAlgn="base"/>
+            <a:r>
+              <a:rPr lang="en-US" dirty="0"/>
+              <a:t>Writing failsafe code (saving progress)</a:t>
+            </a:r>
+          </a:p>
+        </p:txBody>
+      </p:sp>
+    </p:spTree>
+    <p:extLst>
+      <p:ext uri="{BB962C8B-B14F-4D97-AF65-F5344CB8AC3E}">
+        <p14:creationId xmlns:p14="http://schemas.microsoft.com/office/powerpoint/2010/main" val="693858385"/>
+      </p:ext>
+    </p:extLst>
+  </p:cSld>
+  <p:clrMapOvr>
+    <a:masterClrMapping/>
+  </p:clrMapOvr>
+</p:sld>
+</file>
+
+<file path=ppt/slides/slide13.xml><?xml version="1.0" encoding="utf-8"?>
+<p:sld xmlns:a="http://schemas.openxmlformats.org/drawingml/2006/main" xmlns:r="http://schemas.openxmlformats.org/officeDocument/2006/relationships" xmlns:p="http://schemas.openxmlformats.org/presentationml/2006/main">
+  <p:cSld>
+    <p:spTree>
+      <p:nvGrpSpPr>
+        <p:cNvPr id="1" name=""/>
+        <p:cNvGrpSpPr/>
+        <p:nvPr/>
+      </p:nvGrpSpPr>
+      <p:grpSpPr>
+        <a:xfrm>
+          <a:off x="0" y="0"/>
+          <a:ext cx="0" cy="0"/>
+          <a:chOff x="0" y="0"/>
+          <a:chExt cx="0" cy="0"/>
+        </a:xfrm>
+      </p:grpSpPr>
+      <p:sp>
+        <p:nvSpPr>
+          <p:cNvPr id="2" name="Title 1"/>
+          <p:cNvSpPr>
+            <a:spLocks noGrp="1"/>
+          </p:cNvSpPr>
+          <p:nvPr>
+            <p:ph type="title"/>
+          </p:nvPr>
+        </p:nvSpPr>
+        <p:spPr/>
+        <p:txBody>
+          <a:bodyPr/>
+          <a:lstStyle/>
+          <a:p>
+            <a:r>
+              <a:rPr lang="en-US" dirty="0" smtClean="0"/>
+              <a:t>References</a:t>
+            </a:r>
+            <a:endParaRPr lang="en-US" dirty="0"/>
+          </a:p>
+        </p:txBody>
+      </p:sp>
+      <p:sp>
+        <p:nvSpPr>
+          <p:cNvPr id="3" name="Content Placeholder 2"/>
+          <p:cNvSpPr>
+            <a:spLocks noGrp="1"/>
+          </p:cNvSpPr>
+          <p:nvPr>
+            <p:ph idx="1"/>
+          </p:nvPr>
+        </p:nvSpPr>
+        <p:spPr/>
+        <p:txBody>
+          <a:bodyPr>
+            <a:normAutofit/>
+          </a:bodyPr>
+          <a:lstStyle/>
+          <a:p>
+            <a:r>
+              <a:rPr lang="en-US" sz="2000" dirty="0" err="1"/>
+              <a:t>Yixue</a:t>
+            </a:r>
+            <a:r>
+              <a:rPr lang="en-US" sz="2000" dirty="0"/>
+              <a:t> Wang et. al</a:t>
+            </a:r>
+            <a:r>
+              <a:rPr lang="en-US" sz="2000" dirty="0" smtClean="0"/>
+              <a:t>. 2016. </a:t>
+            </a:r>
+            <a:r>
+              <a:rPr lang="en-US" sz="2000" dirty="0"/>
+              <a:t>Gender Differences in the Global Music Industry: Evidence from </a:t>
+            </a:r>
+            <a:r>
+              <a:rPr lang="en-US" sz="2000" dirty="0" err="1"/>
+              <a:t>MusicBrainz</a:t>
+            </a:r>
+            <a:r>
+              <a:rPr lang="en-US" sz="2000" dirty="0"/>
+              <a:t> and The Echo </a:t>
+            </a:r>
+            <a:r>
+              <a:rPr lang="en-US" sz="2000" dirty="0" smtClean="0"/>
+              <a:t>Nest. </a:t>
+            </a:r>
+            <a:r>
+              <a:rPr lang="en-US" sz="2000" i="1" dirty="0"/>
+              <a:t>Proceedings of the Thirteenth International AAAI Conference on Web and Social Media (ICWSM 2019).</a:t>
+            </a:r>
+            <a:endParaRPr lang="en-US" sz="2000" dirty="0"/>
+          </a:p>
+          <a:p>
+            <a:r>
+              <a:rPr lang="en-US" sz="2000" dirty="0"/>
+              <a:t>Sergeant, D. C., and </a:t>
+            </a:r>
+            <a:r>
+              <a:rPr lang="en-US" sz="2000" dirty="0" err="1"/>
+              <a:t>Himonides</a:t>
+            </a:r>
+            <a:r>
+              <a:rPr lang="en-US" sz="2000" dirty="0"/>
+              <a:t>, E. 2016. Gender and </a:t>
+            </a:r>
+            <a:r>
+              <a:rPr lang="en-US" sz="2000" dirty="0" smtClean="0"/>
+              <a:t>music composition</a:t>
+            </a:r>
+            <a:r>
+              <a:rPr lang="en-US" sz="2000" dirty="0"/>
+              <a:t>: A study of music, and the gendering of </a:t>
+            </a:r>
+            <a:r>
+              <a:rPr lang="en-US" sz="2000" dirty="0" smtClean="0"/>
+              <a:t>meanings. </a:t>
+            </a:r>
+            <a:r>
+              <a:rPr lang="en-US" sz="2000" i="1" dirty="0" smtClean="0"/>
+              <a:t>Frontiers </a:t>
+            </a:r>
+            <a:r>
+              <a:rPr lang="en-US" sz="2000" i="1" dirty="0"/>
+              <a:t>in Psychology 7:411</a:t>
+            </a:r>
+            <a:r>
+              <a:rPr lang="en-US" sz="2000" dirty="0" smtClean="0"/>
+              <a:t>.</a:t>
+            </a:r>
+          </a:p>
+          <a:p>
+            <a:r>
+              <a:rPr lang="en-US" sz="2000" dirty="0" err="1"/>
+              <a:t>Blau</a:t>
+            </a:r>
+            <a:r>
+              <a:rPr lang="en-US" sz="2000" dirty="0"/>
+              <a:t>, F., and Kahn, L. 2000. Gender differences in </a:t>
+            </a:r>
+            <a:r>
+              <a:rPr lang="en-US" sz="2000" dirty="0" smtClean="0"/>
+              <a:t>pay. </a:t>
+            </a:r>
+            <a:r>
+              <a:rPr lang="en-US" sz="2000" i="1" dirty="0" smtClean="0"/>
+              <a:t>NBER </a:t>
+            </a:r>
+            <a:r>
+              <a:rPr lang="en-US" sz="2000" i="1" dirty="0"/>
+              <a:t>Working Papers 7732, National Bureau of </a:t>
+            </a:r>
+            <a:r>
+              <a:rPr lang="en-US" sz="2000" i="1" dirty="0" smtClean="0"/>
+              <a:t>Economic Research</a:t>
+            </a:r>
+            <a:r>
+              <a:rPr lang="en-US" sz="2000" i="1" dirty="0"/>
+              <a:t>, Inc</a:t>
+            </a:r>
+            <a:r>
+              <a:rPr lang="en-US" sz="2000" i="1" dirty="0" smtClean="0"/>
+              <a:t>.</a:t>
+            </a:r>
+          </a:p>
+          <a:p>
+            <a:r>
+              <a:rPr lang="en-US" sz="2000" dirty="0"/>
+              <a:t>Kuhn, P. J., and </a:t>
+            </a:r>
+            <a:r>
+              <a:rPr lang="en-US" sz="2000" dirty="0" err="1"/>
+              <a:t>Villeval</a:t>
+            </a:r>
+            <a:r>
+              <a:rPr lang="en-US" sz="2000" dirty="0"/>
+              <a:t>, M.-C. 2013. Are women </a:t>
+            </a:r>
+            <a:r>
+              <a:rPr lang="en-US" sz="2000" dirty="0" smtClean="0"/>
+              <a:t>more attracted </a:t>
+            </a:r>
+            <a:r>
+              <a:rPr lang="en-US" sz="2000" dirty="0"/>
+              <a:t>to cooperation than men? </a:t>
+            </a:r>
+            <a:r>
+              <a:rPr lang="en-US" sz="2000" i="1" dirty="0"/>
+              <a:t>Working Paper </a:t>
+            </a:r>
+            <a:r>
+              <a:rPr lang="en-US" sz="2000" i="1" dirty="0" smtClean="0"/>
+              <a:t>19277, National </a:t>
+            </a:r>
+            <a:r>
+              <a:rPr lang="en-US" sz="2000" i="1" dirty="0"/>
+              <a:t>Bureau of Economic Research</a:t>
+            </a:r>
+            <a:r>
+              <a:rPr lang="en-US" sz="2000" i="1" dirty="0" smtClean="0"/>
+              <a:t>.</a:t>
+            </a:r>
+          </a:p>
+        </p:txBody>
+      </p:sp>
+    </p:spTree>
+    <p:extLst>
+      <p:ext uri="{BB962C8B-B14F-4D97-AF65-F5344CB8AC3E}">
+        <p14:creationId xmlns:p14="http://schemas.microsoft.com/office/powerpoint/2010/main" val="2030577021"/>
+      </p:ext>
+    </p:extLst>
+  </p:cSld>
+  <p:clrMapOvr>
+    <a:masterClrMapping/>
+  </p:clrMapOvr>
+</p:sld>
+</file>
+
+<file path=ppt/slides/slide14.xml><?xml version="1.0" encoding="utf-8"?>
+<p:sld xmlns:a="http://schemas.openxmlformats.org/drawingml/2006/main" xmlns:r="http://schemas.openxmlformats.org/officeDocument/2006/relationships" xmlns:p="http://schemas.openxmlformats.org/presentationml/2006/main">
+  <p:cSld>
+    <p:spTree>
+      <p:nvGrpSpPr>
+        <p:cNvPr id="1" name=""/>
+        <p:cNvGrpSpPr/>
+        <p:nvPr/>
+      </p:nvGrpSpPr>
+      <p:grpSpPr>
+        <a:xfrm>
+          <a:off x="0" y="0"/>
+          <a:ext cx="0" cy="0"/>
+          <a:chOff x="0" y="0"/>
+          <a:chExt cx="0" cy="0"/>
+        </a:xfrm>
+      </p:grpSpPr>
+      <p:sp>
+        <p:nvSpPr>
+          <p:cNvPr id="2" name="Title 1"/>
+          <p:cNvSpPr>
+            <a:spLocks noGrp="1"/>
+          </p:cNvSpPr>
+          <p:nvPr>
+            <p:ph type="title"/>
+          </p:nvPr>
+        </p:nvSpPr>
+        <p:spPr/>
+        <p:txBody>
+          <a:bodyPr/>
+          <a:lstStyle/>
+          <a:p>
+            <a:r>
+              <a:rPr lang="en-US" dirty="0" smtClean="0"/>
+              <a:t>Links</a:t>
+            </a:r>
+            <a:endParaRPr lang="en-US" dirty="0"/>
+          </a:p>
+        </p:txBody>
+      </p:sp>
+      <p:sp>
+        <p:nvSpPr>
+          <p:cNvPr id="3" name="Content Placeholder 2"/>
+          <p:cNvSpPr>
+            <a:spLocks noGrp="1"/>
+          </p:cNvSpPr>
+          <p:nvPr>
+            <p:ph idx="1"/>
+          </p:nvPr>
+        </p:nvSpPr>
+        <p:spPr/>
+        <p:txBody>
+          <a:bodyPr/>
+          <a:lstStyle/>
+          <a:p>
+            <a:r>
+              <a:rPr lang="en-US" dirty="0"/>
+              <a:t>Crawled data from : </a:t>
+            </a:r>
+            <a:r>
+              <a:rPr lang="en-US" dirty="0">
+                <a:hlinkClick r:id="rId2"/>
+              </a:rPr>
+              <a:t>https://</a:t>
+            </a:r>
+            <a:r>
+              <a:rPr lang="en-US" dirty="0" smtClean="0">
+                <a:hlinkClick r:id="rId2"/>
+              </a:rPr>
+              <a:t>musicbrainz.org</a:t>
+            </a:r>
+            <a:r>
+              <a:rPr lang="en-US" dirty="0"/>
+              <a:t> </a:t>
+            </a:r>
+            <a:endParaRPr lang="en-US" dirty="0" smtClean="0"/>
+          </a:p>
+          <a:p>
+            <a:pPr marL="0" indent="0">
+              <a:buNone/>
+            </a:pPr>
+            <a:r>
+              <a:rPr lang="en-US" dirty="0"/>
+              <a:t>	</a:t>
+            </a:r>
+            <a:r>
+              <a:rPr lang="en-US" dirty="0" smtClean="0"/>
+              <a:t>		     </a:t>
+            </a:r>
+            <a:r>
+              <a:rPr lang="en-US" dirty="0" smtClean="0">
+                <a:hlinkClick r:id="rId3"/>
+              </a:rPr>
+              <a:t>https://partyflock.nl</a:t>
+            </a:r>
+            <a:r>
+              <a:rPr lang="en-US" dirty="0" smtClean="0"/>
+              <a:t>  </a:t>
+            </a:r>
+            <a:endParaRPr lang="en-US" dirty="0"/>
+          </a:p>
+          <a:p>
+            <a:r>
+              <a:rPr lang="en-US" dirty="0" smtClean="0"/>
+              <a:t>Repository </a:t>
+            </a:r>
+            <a:r>
+              <a:rPr lang="en-US" dirty="0"/>
+              <a:t>link is : </a:t>
+            </a:r>
+            <a:r>
+              <a:rPr lang="en-US" dirty="0">
+                <a:hlinkClick r:id="rId4"/>
+              </a:rPr>
+              <a:t>https://github.com/polando/GenderGap</a:t>
+            </a:r>
+            <a:endParaRPr lang="en-US" dirty="0"/>
+          </a:p>
+          <a:p>
+            <a:endParaRPr lang="en-US" dirty="0"/>
+          </a:p>
+          <a:p>
+            <a:endParaRPr lang="en-US" dirty="0"/>
+          </a:p>
+        </p:txBody>
+      </p:sp>
+    </p:spTree>
+    <p:extLst>
+      <p:ext uri="{BB962C8B-B14F-4D97-AF65-F5344CB8AC3E}">
+        <p14:creationId xmlns:p14="http://schemas.microsoft.com/office/powerpoint/2010/main" val="405754515"/>
+      </p:ext>
+    </p:extLst>
+  </p:cSld>
+  <p:clrMapOvr>
+    <a:masterClrMapping/>
+  </p:clrMapOvr>
+</p:sld>
+</file>
+
+<file path=ppt/slides/slide15.xml><?xml version="1.0" encoding="utf-8"?>
+<p:sld xmlns:a="http://schemas.openxmlformats.org/drawingml/2006/main" xmlns:r="http://schemas.openxmlformats.org/officeDocument/2006/relationships" xmlns:p="http://schemas.openxmlformats.org/presentationml/2006/main">
+  <p:cSld>
+    <p:spTree>
+      <p:nvGrpSpPr>
+        <p:cNvPr id="1" name=""/>
+        <p:cNvGrpSpPr/>
+        <p:nvPr/>
+      </p:nvGrpSpPr>
+      <p:grpSpPr>
+        <a:xfrm>
+          <a:off x="0" y="0"/>
+          <a:ext cx="0" cy="0"/>
+          <a:chOff x="0" y="0"/>
+          <a:chExt cx="0" cy="0"/>
+        </a:xfrm>
+      </p:grpSpPr>
+      <p:sp>
+        <p:nvSpPr>
+          <p:cNvPr id="2" name="Title 1"/>
+          <p:cNvSpPr>
+            <a:spLocks noGrp="1"/>
+          </p:cNvSpPr>
+          <p:nvPr>
+            <p:ph type="title"/>
+          </p:nvPr>
+        </p:nvSpPr>
+        <p:spPr/>
+        <p:txBody>
+          <a:bodyPr/>
+          <a:lstStyle/>
+          <a:p>
+            <a:r>
+              <a:rPr lang="en-US" dirty="0" smtClean="0"/>
+              <a:t>Responsible Person</a:t>
+            </a:r>
+            <a:endParaRPr lang="en-US" dirty="0"/>
+          </a:p>
+        </p:txBody>
+      </p:sp>
+      <p:sp>
+        <p:nvSpPr>
+          <p:cNvPr id="3" name="Content Placeholder 2"/>
+          <p:cNvSpPr>
+            <a:spLocks noGrp="1"/>
+          </p:cNvSpPr>
+          <p:nvPr>
+            <p:ph idx="1"/>
+          </p:nvPr>
+        </p:nvSpPr>
+        <p:spPr/>
+        <p:txBody>
+          <a:bodyPr/>
+          <a:lstStyle/>
+          <a:p>
+            <a:pPr fontAlgn="base"/>
+            <a:r>
+              <a:rPr lang="en-US" dirty="0"/>
+              <a:t>Data collection &amp; preprocessing:</a:t>
+            </a:r>
+          </a:p>
+          <a:p>
+            <a:pPr lvl="1" fontAlgn="base"/>
+            <a:r>
+              <a:rPr lang="en-US" dirty="0" err="1"/>
+              <a:t>Elif</a:t>
+            </a:r>
+            <a:r>
+              <a:rPr lang="en-US" dirty="0"/>
+              <a:t> </a:t>
+            </a:r>
+            <a:r>
+              <a:rPr lang="en-US" dirty="0" err="1"/>
+              <a:t>Alkac</a:t>
+            </a:r>
+            <a:endParaRPr lang="en-US" dirty="0"/>
+          </a:p>
+          <a:p>
+            <a:pPr lvl="1" fontAlgn="base"/>
+            <a:r>
+              <a:rPr lang="en-US" dirty="0" err="1"/>
+              <a:t>Milad</a:t>
+            </a:r>
+            <a:r>
+              <a:rPr lang="en-US" dirty="0"/>
+              <a:t> </a:t>
+            </a:r>
+            <a:r>
+              <a:rPr lang="en-US" dirty="0" err="1"/>
+              <a:t>Qasemi</a:t>
+            </a:r>
+            <a:endParaRPr lang="en-US" dirty="0"/>
+          </a:p>
+          <a:p>
+            <a:pPr lvl="1" fontAlgn="base"/>
+            <a:r>
+              <a:rPr lang="en-US" dirty="0"/>
+              <a:t>Mehdi</a:t>
+            </a:r>
+            <a:r>
+              <a:rPr lang="en-US" sz="2000" b="1" i="1" dirty="0"/>
+              <a:t> </a:t>
+            </a:r>
+            <a:r>
+              <a:rPr lang="en-US" dirty="0" err="1"/>
+              <a:t>Bagheri</a:t>
+            </a:r>
+            <a:endParaRPr lang="en-US" sz="1800" dirty="0"/>
+          </a:p>
+          <a:p>
+            <a:pPr fontAlgn="base"/>
+            <a:r>
+              <a:rPr lang="en-US" dirty="0"/>
+              <a:t>Data analysis:</a:t>
+            </a:r>
+          </a:p>
+          <a:p>
+            <a:pPr lvl="1" fontAlgn="base"/>
+            <a:r>
+              <a:rPr lang="en-US" dirty="0" err="1"/>
+              <a:t>Tanvir</a:t>
+            </a:r>
+            <a:r>
+              <a:rPr lang="en-US" dirty="0"/>
+              <a:t> Ahmed</a:t>
+            </a:r>
+          </a:p>
+          <a:p>
+            <a:pPr lvl="1" fontAlgn="base"/>
+            <a:r>
+              <a:rPr lang="en-US"/>
+              <a:t>Abdur Rahman</a:t>
+            </a:r>
+          </a:p>
+        </p:txBody>
+      </p:sp>
+    </p:spTree>
+    <p:extLst>
+      <p:ext uri="{BB962C8B-B14F-4D97-AF65-F5344CB8AC3E}">
+        <p14:creationId xmlns:p14="http://schemas.microsoft.com/office/powerpoint/2010/main" val="4218820969"/>
+      </p:ext>
+    </p:extLst>
+  </p:cSld>
+  <p:clrMapOvr>
+    <a:masterClrMapping/>
+  </p:clrMapOvr>
+</p:sld>
+</file>
+
+<file path=ppt/slides/slide16.xml><?xml version="1.0" encoding="utf-8"?>
+<p:sld xmlns:a="http://schemas.openxmlformats.org/drawingml/2006/main" xmlns:r="http://schemas.openxmlformats.org/officeDocument/2006/relationships" xmlns:p="http://schemas.openxmlformats.org/presentationml/2006/main">
+  <p:cSld>
+    <p:spTree>
+      <p:nvGrpSpPr>
+        <p:cNvPr id="1" name=""/>
+        <p:cNvGrpSpPr/>
+        <p:nvPr/>
+      </p:nvGrpSpPr>
+      <p:grpSpPr>
+        <a:xfrm>
+          <a:off x="0" y="0"/>
+          <a:ext cx="0" cy="0"/>
+          <a:chOff x="0" y="0"/>
+          <a:chExt cx="0" cy="0"/>
+        </a:xfrm>
+      </p:grpSpPr>
+      <p:sp>
+        <p:nvSpPr>
+          <p:cNvPr id="2" name="Title 1"/>
+          <p:cNvSpPr>
+            <a:spLocks noGrp="1"/>
+          </p:cNvSpPr>
+          <p:nvPr>
+            <p:ph type="title"/>
+          </p:nvPr>
+        </p:nvSpPr>
+        <p:spPr>
+          <a:xfrm>
+            <a:off x="874059" y="2409078"/>
+            <a:ext cx="10515600" cy="1325563"/>
+          </a:xfrm>
+        </p:spPr>
+        <p:txBody>
+          <a:bodyPr>
+            <a:noAutofit/>
+          </a:bodyPr>
+          <a:lstStyle/>
+          <a:p>
+            <a:pPr algn="ctr"/>
+            <a:r>
+              <a:rPr lang="en-US" sz="9600" dirty="0" smtClean="0"/>
+              <a:t>Thank You</a:t>
+            </a:r>
+            <a:br>
+              <a:rPr lang="en-US" sz="9600" dirty="0" smtClean="0"/>
+            </a:br>
+            <a:r>
+              <a:rPr lang="en-US" sz="9600" dirty="0"/>
+              <a:t/>
+            </a:r>
+            <a:br>
+              <a:rPr lang="en-US" sz="9600" dirty="0"/>
+            </a:br>
+            <a:r>
+              <a:rPr lang="en-US" sz="4000" b="1" dirty="0" smtClean="0"/>
+              <a:t>Any Questions?</a:t>
+            </a:r>
+            <a:endParaRPr lang="en-US" sz="4000" b="1" dirty="0"/>
+          </a:p>
+        </p:txBody>
+      </p:sp>
+    </p:spTree>
+    <p:extLst>
+      <p:ext uri="{BB962C8B-B14F-4D97-AF65-F5344CB8AC3E}">
+        <p14:creationId xmlns:p14="http://schemas.microsoft.com/office/powerpoint/2010/main" val="3479997455"/>
+      </p:ext>
+    </p:extLst>
+  </p:cSld>
+  <p:clrMapOvr>
+    <a:masterClrMapping/>
+  </p:clrMapOvr>
+</p:sld>
+</file>
+
+<file path=ppt/slides/slide2.xml><?xml version="1.0" encoding="utf-8"?>
+<p:sld xmlns:a="http://schemas.openxmlformats.org/drawingml/2006/main" xmlns:r="http://schemas.openxmlformats.org/officeDocument/2006/relationships" xmlns:p="http://schemas.openxmlformats.org/presentationml/2006/main">
+  <p:cSld>
+    <p:spTree>
+      <p:nvGrpSpPr>
+        <p:cNvPr id="1" name=""/>
+        <p:cNvGrpSpPr/>
+        <p:nvPr/>
+      </p:nvGrpSpPr>
+      <p:grpSpPr>
+        <a:xfrm>
+          <a:off x="0" y="0"/>
+          <a:ext cx="0" cy="0"/>
+          <a:chOff x="0" y="0"/>
+          <a:chExt cx="0" cy="0"/>
+        </a:xfrm>
+      </p:grpSpPr>
+      <p:sp>
+        <p:nvSpPr>
+          <p:cNvPr id="2" name="Title 1"/>
+          <p:cNvSpPr>
+            <a:spLocks noGrp="1"/>
+          </p:cNvSpPr>
+          <p:nvPr>
+            <p:ph type="title"/>
+          </p:nvPr>
+        </p:nvSpPr>
+        <p:spPr/>
+        <p:txBody>
+          <a:bodyPr/>
+          <a:lstStyle/>
+          <a:p>
+            <a:r>
+              <a:rPr lang="en-US" dirty="0" smtClean="0"/>
+              <a:t>Research Questions</a:t>
+            </a:r>
+            <a:endParaRPr lang="en-US" dirty="0"/>
+          </a:p>
+        </p:txBody>
+      </p:sp>
+      <p:sp>
+        <p:nvSpPr>
+          <p:cNvPr id="3" name="Content Placeholder 2"/>
+          <p:cNvSpPr>
+            <a:spLocks noGrp="1"/>
+          </p:cNvSpPr>
+          <p:nvPr>
+            <p:ph idx="1"/>
+          </p:nvPr>
+        </p:nvSpPr>
+        <p:spPr/>
+        <p:txBody>
+          <a:bodyPr/>
+          <a:lstStyle/>
+          <a:p>
+            <a:r>
+              <a:rPr lang="en-US" dirty="0"/>
+              <a:t>How big is the gender gap in the EM scene? </a:t>
+            </a:r>
+            <a:endParaRPr lang="en-US" dirty="0" smtClean="0"/>
+          </a:p>
+          <a:p>
+            <a:r>
+              <a:rPr lang="en-US" dirty="0" smtClean="0"/>
+              <a:t>How </a:t>
+            </a:r>
+            <a:r>
+              <a:rPr lang="en-US" dirty="0"/>
+              <a:t>it has evolved over last decades? </a:t>
+            </a:r>
+          </a:p>
+        </p:txBody>
+      </p:sp>
+      <p:sp>
+        <p:nvSpPr>
+          <p:cNvPr id="4" name="Right Arrow 3"/>
+          <p:cNvSpPr/>
+          <p:nvPr/>
+        </p:nvSpPr>
+        <p:spPr>
+          <a:xfrm>
+            <a:off x="1118558" y="3134339"/>
+            <a:ext cx="615351" cy="370936"/>
+          </a:xfrm>
+          <a:prstGeom prst="rightArrow">
+            <a:avLst/>
+          </a:prstGeom>
+          <a:noFill/>
+        </p:spPr>
+        <p:style>
+          <a:lnRef idx="2">
+            <a:schemeClr val="accent1">
+              <a:shade val="50000"/>
+            </a:schemeClr>
+          </a:lnRef>
+          <a:fillRef idx="1">
+            <a:schemeClr val="accent1"/>
+          </a:fillRef>
+          <a:effectRef idx="0">
+            <a:schemeClr val="accent1"/>
+          </a:effectRef>
+          <a:fontRef idx="minor">
+            <a:schemeClr val="lt1"/>
+          </a:fontRef>
+        </p:style>
+        <p:txBody>
+          <a:bodyPr rtlCol="0" anchor="ctr"/>
+          <a:lstStyle/>
+          <a:p>
+            <a:pPr algn="ctr"/>
+            <a:endParaRPr lang="en-US"/>
+          </a:p>
+        </p:txBody>
+      </p:sp>
+      <p:sp>
+        <p:nvSpPr>
+          <p:cNvPr id="5" name="Right Arrow 4"/>
+          <p:cNvSpPr/>
+          <p:nvPr/>
+        </p:nvSpPr>
+        <p:spPr>
+          <a:xfrm>
+            <a:off x="1118558" y="3606036"/>
+            <a:ext cx="615351" cy="370936"/>
+          </a:xfrm>
+          <a:prstGeom prst="rightArrow">
+            <a:avLst/>
+          </a:prstGeom>
+          <a:noFill/>
+        </p:spPr>
+        <p:style>
+          <a:lnRef idx="2">
+            <a:schemeClr val="accent1">
+              <a:shade val="50000"/>
+            </a:schemeClr>
+          </a:lnRef>
+          <a:fillRef idx="1">
+            <a:schemeClr val="accent1"/>
+          </a:fillRef>
+          <a:effectRef idx="0">
+            <a:schemeClr val="accent1"/>
+          </a:effectRef>
+          <a:fontRef idx="minor">
+            <a:schemeClr val="lt1"/>
+          </a:fontRef>
+        </p:style>
+        <p:txBody>
+          <a:bodyPr rtlCol="0" anchor="ctr"/>
+          <a:lstStyle/>
+          <a:p>
+            <a:pPr algn="ctr"/>
+            <a:endParaRPr lang="en-US"/>
+          </a:p>
+        </p:txBody>
+      </p:sp>
+      <p:sp>
+        <p:nvSpPr>
+          <p:cNvPr id="6" name="Right Arrow 5"/>
+          <p:cNvSpPr/>
+          <p:nvPr/>
+        </p:nvSpPr>
+        <p:spPr>
+          <a:xfrm>
+            <a:off x="1118558" y="4111909"/>
+            <a:ext cx="615351" cy="370936"/>
+          </a:xfrm>
+          <a:prstGeom prst="rightArrow">
+            <a:avLst/>
+          </a:prstGeom>
+          <a:noFill/>
+        </p:spPr>
+        <p:style>
+          <a:lnRef idx="2">
+            <a:schemeClr val="accent1">
+              <a:shade val="50000"/>
+            </a:schemeClr>
+          </a:lnRef>
+          <a:fillRef idx="1">
+            <a:schemeClr val="accent1"/>
+          </a:fillRef>
+          <a:effectRef idx="0">
+            <a:schemeClr val="accent1"/>
+          </a:effectRef>
+          <a:fontRef idx="minor">
+            <a:schemeClr val="lt1"/>
+          </a:fontRef>
+        </p:style>
+        <p:txBody>
+          <a:bodyPr rtlCol="0" anchor="ctr"/>
+          <a:lstStyle/>
+          <a:p>
+            <a:pPr algn="ctr"/>
+            <a:endParaRPr lang="en-US"/>
+          </a:p>
+        </p:txBody>
+      </p:sp>
+      <p:sp>
+        <p:nvSpPr>
+          <p:cNvPr id="7" name="Right Arrow 6"/>
+          <p:cNvSpPr/>
+          <p:nvPr/>
+        </p:nvSpPr>
+        <p:spPr>
+          <a:xfrm>
+            <a:off x="1118558" y="4617782"/>
+            <a:ext cx="615351" cy="370936"/>
+          </a:xfrm>
+          <a:prstGeom prst="rightArrow">
+            <a:avLst/>
+          </a:prstGeom>
+          <a:noFill/>
+        </p:spPr>
+        <p:style>
+          <a:lnRef idx="2">
+            <a:schemeClr val="accent1">
+              <a:shade val="50000"/>
+            </a:schemeClr>
+          </a:lnRef>
+          <a:fillRef idx="1">
+            <a:schemeClr val="accent1"/>
+          </a:fillRef>
+          <a:effectRef idx="0">
+            <a:schemeClr val="accent1"/>
+          </a:effectRef>
+          <a:fontRef idx="minor">
+            <a:schemeClr val="lt1"/>
+          </a:fontRef>
+        </p:style>
+        <p:txBody>
+          <a:bodyPr rtlCol="0" anchor="ctr"/>
+          <a:lstStyle/>
+          <a:p>
+            <a:pPr algn="ctr"/>
+            <a:endParaRPr lang="en-US"/>
+          </a:p>
+        </p:txBody>
+      </p:sp>
+      <p:sp>
+        <p:nvSpPr>
+          <p:cNvPr id="8" name="Title 1"/>
+          <p:cNvSpPr txBox="1">
+            <a:spLocks/>
+          </p:cNvSpPr>
+          <p:nvPr/>
+        </p:nvSpPr>
+        <p:spPr>
+          <a:xfrm>
+            <a:off x="2014264" y="3083808"/>
+            <a:ext cx="3799937" cy="471697"/>
+          </a:xfrm>
+          <a:prstGeom prst="rect">
+            <a:avLst/>
+          </a:prstGeom>
+        </p:spPr>
+        <p:txBody>
+          <a:bodyPr vert="horz" lIns="91440" tIns="45720" rIns="91440" bIns="45720" rtlCol="0" anchor="ctr">
+            <a:normAutofit/>
+          </a:bodyPr>
+          <a:lstStyle>
+            <a:lvl1pPr algn="l" defTabSz="914400" rtl="0" eaLnBrk="1" latinLnBrk="0" hangingPunct="1">
+              <a:lnSpc>
+                <a:spcPct val="90000"/>
+              </a:lnSpc>
+              <a:spcBef>
+                <a:spcPct val="0"/>
+              </a:spcBef>
+              <a:buNone/>
+              <a:defRPr sz="4400" kern="1200">
+                <a:solidFill>
+                  <a:schemeClr val="tx1"/>
+                </a:solidFill>
+                <a:latin typeface="+mj-lt"/>
+                <a:ea typeface="+mj-ea"/>
+                <a:cs typeface="+mj-cs"/>
+              </a:defRPr>
+            </a:lvl1pPr>
+          </a:lstStyle>
+          <a:p>
+            <a:r>
+              <a:rPr lang="en-US" sz="2400" dirty="0" smtClean="0"/>
+              <a:t>Representation Gap</a:t>
+            </a:r>
+            <a:endParaRPr lang="en-US" sz="2400" dirty="0"/>
+          </a:p>
+        </p:txBody>
+      </p:sp>
+      <p:sp>
+        <p:nvSpPr>
+          <p:cNvPr id="9" name="Title 1"/>
+          <p:cNvSpPr txBox="1">
+            <a:spLocks/>
+          </p:cNvSpPr>
+          <p:nvPr/>
+        </p:nvSpPr>
+        <p:spPr>
+          <a:xfrm>
+            <a:off x="2014264" y="4059476"/>
+            <a:ext cx="3799937" cy="471697"/>
+          </a:xfrm>
+          <a:prstGeom prst="rect">
+            <a:avLst/>
+          </a:prstGeom>
+        </p:spPr>
+        <p:txBody>
+          <a:bodyPr vert="horz" lIns="91440" tIns="45720" rIns="91440" bIns="45720" rtlCol="0" anchor="ctr">
+            <a:normAutofit/>
+          </a:bodyPr>
+          <a:lstStyle>
+            <a:lvl1pPr algn="l" defTabSz="914400" rtl="0" eaLnBrk="1" latinLnBrk="0" hangingPunct="1">
+              <a:lnSpc>
+                <a:spcPct val="90000"/>
+              </a:lnSpc>
+              <a:spcBef>
+                <a:spcPct val="0"/>
+              </a:spcBef>
+              <a:buNone/>
+              <a:defRPr sz="4400" kern="1200">
+                <a:solidFill>
+                  <a:schemeClr val="tx1"/>
+                </a:solidFill>
+                <a:latin typeface="+mj-lt"/>
+                <a:ea typeface="+mj-ea"/>
+                <a:cs typeface="+mj-cs"/>
+              </a:defRPr>
+            </a:lvl1pPr>
+          </a:lstStyle>
+          <a:p>
+            <a:r>
+              <a:rPr lang="en-US" sz="2400" dirty="0" smtClean="0"/>
+              <a:t>Productivity Gap</a:t>
+            </a:r>
+            <a:endParaRPr lang="en-US" sz="2400" dirty="0"/>
+          </a:p>
+        </p:txBody>
+      </p:sp>
+      <p:sp>
+        <p:nvSpPr>
+          <p:cNvPr id="10" name="Title 1"/>
+          <p:cNvSpPr txBox="1">
+            <a:spLocks/>
+          </p:cNvSpPr>
+          <p:nvPr/>
+        </p:nvSpPr>
+        <p:spPr>
+          <a:xfrm>
+            <a:off x="2014264" y="4567401"/>
+            <a:ext cx="3799937" cy="471697"/>
+          </a:xfrm>
+          <a:prstGeom prst="rect">
+            <a:avLst/>
+          </a:prstGeom>
+        </p:spPr>
+        <p:txBody>
+          <a:bodyPr vert="horz" lIns="91440" tIns="45720" rIns="91440" bIns="45720" rtlCol="0" anchor="ctr">
+            <a:normAutofit/>
+          </a:bodyPr>
+          <a:lstStyle>
+            <a:lvl1pPr algn="l" defTabSz="914400" rtl="0" eaLnBrk="1" latinLnBrk="0" hangingPunct="1">
+              <a:lnSpc>
+                <a:spcPct val="90000"/>
+              </a:lnSpc>
+              <a:spcBef>
+                <a:spcPct val="0"/>
+              </a:spcBef>
+              <a:buNone/>
+              <a:defRPr sz="4400" kern="1200">
+                <a:solidFill>
+                  <a:schemeClr val="tx1"/>
+                </a:solidFill>
+                <a:latin typeface="+mj-lt"/>
+                <a:ea typeface="+mj-ea"/>
+                <a:cs typeface="+mj-cs"/>
+              </a:defRPr>
+            </a:lvl1pPr>
+          </a:lstStyle>
+          <a:p>
+            <a:r>
+              <a:rPr lang="en-US" sz="2400" dirty="0" smtClean="0"/>
+              <a:t>Payment Gap</a:t>
+            </a:r>
+            <a:endParaRPr lang="en-US" sz="2400" dirty="0"/>
+          </a:p>
+        </p:txBody>
+      </p:sp>
+      <p:sp>
+        <p:nvSpPr>
+          <p:cNvPr id="11" name="Title 1"/>
+          <p:cNvSpPr txBox="1">
+            <a:spLocks/>
+          </p:cNvSpPr>
+          <p:nvPr/>
+        </p:nvSpPr>
+        <p:spPr>
+          <a:xfrm>
+            <a:off x="2014264" y="3555505"/>
+            <a:ext cx="3799937" cy="471697"/>
+          </a:xfrm>
+          <a:prstGeom prst="rect">
+            <a:avLst/>
+          </a:prstGeom>
+        </p:spPr>
+        <p:txBody>
+          <a:bodyPr vert="horz" lIns="91440" tIns="45720" rIns="91440" bIns="45720" rtlCol="0" anchor="ctr">
+            <a:normAutofit/>
+          </a:bodyPr>
+          <a:lstStyle>
+            <a:lvl1pPr algn="l" defTabSz="914400" rtl="0" eaLnBrk="1" latinLnBrk="0" hangingPunct="1">
+              <a:lnSpc>
+                <a:spcPct val="90000"/>
+              </a:lnSpc>
+              <a:spcBef>
+                <a:spcPct val="0"/>
+              </a:spcBef>
+              <a:buNone/>
+              <a:defRPr sz="4400" kern="1200">
+                <a:solidFill>
+                  <a:schemeClr val="tx1"/>
+                </a:solidFill>
+                <a:latin typeface="+mj-lt"/>
+                <a:ea typeface="+mj-ea"/>
+                <a:cs typeface="+mj-cs"/>
+              </a:defRPr>
+            </a:lvl1pPr>
+          </a:lstStyle>
+          <a:p>
+            <a:r>
+              <a:rPr lang="en-US" sz="2400" dirty="0" smtClean="0"/>
+              <a:t>Trend</a:t>
+            </a:r>
+            <a:endParaRPr lang="en-US" sz="2400" dirty="0"/>
+          </a:p>
+        </p:txBody>
+      </p:sp>
+    </p:spTree>
+    <p:extLst>
+      <p:ext uri="{BB962C8B-B14F-4D97-AF65-F5344CB8AC3E}">
+        <p14:creationId xmlns:p14="http://schemas.microsoft.com/office/powerpoint/2010/main" val="3743663803"/>
+      </p:ext>
+    </p:extLst>
+  </p:cSld>
+  <p:clrMapOvr>
+    <a:masterClrMapping/>
+  </p:clrMapOvr>
+</p:sld>
+</file>
+
+<file path=ppt/slides/slide3.xml><?xml version="1.0" encoding="utf-8"?>
+<p:sld xmlns:a="http://schemas.openxmlformats.org/drawingml/2006/main" xmlns:r="http://schemas.openxmlformats.org/officeDocument/2006/relationships" xmlns:p="http://schemas.openxmlformats.org/presentationml/2006/main">
+  <p:cSld>
+    <p:spTree>
+      <p:nvGrpSpPr>
+        <p:cNvPr id="1" name=""/>
+        <p:cNvGrpSpPr/>
+        <p:nvPr/>
+      </p:nvGrpSpPr>
+      <p:grpSpPr>
+        <a:xfrm>
+          <a:off x="0" y="0"/>
+          <a:ext cx="0" cy="0"/>
+          <a:chOff x="0" y="0"/>
+          <a:chExt cx="0" cy="0"/>
+        </a:xfrm>
+      </p:grpSpPr>
+      <p:sp>
+        <p:nvSpPr>
+          <p:cNvPr id="2" name="Title 1"/>
+          <p:cNvSpPr>
+            <a:spLocks noGrp="1"/>
+          </p:cNvSpPr>
+          <p:nvPr>
+            <p:ph type="title"/>
+          </p:nvPr>
+        </p:nvSpPr>
+        <p:spPr/>
+        <p:txBody>
+          <a:bodyPr/>
+          <a:lstStyle/>
+          <a:p>
+            <a:r>
+              <a:rPr lang="en-US" dirty="0" smtClean="0"/>
+              <a:t>Introduction</a:t>
+            </a:r>
+            <a:endParaRPr lang="en-US" dirty="0"/>
+          </a:p>
+        </p:txBody>
+      </p:sp>
+      <p:sp>
+        <p:nvSpPr>
+          <p:cNvPr id="3" name="Content Placeholder 2"/>
+          <p:cNvSpPr>
+            <a:spLocks noGrp="1"/>
+          </p:cNvSpPr>
+          <p:nvPr>
+            <p:ph idx="1"/>
+          </p:nvPr>
+        </p:nvSpPr>
+        <p:spPr/>
+        <p:txBody>
+          <a:bodyPr>
+            <a:normAutofit/>
+          </a:bodyPr>
+          <a:lstStyle/>
+          <a:p>
+            <a:r>
+              <a:rPr lang="en-US" sz="2400" dirty="0"/>
+              <a:t>Sergeant and </a:t>
+            </a:r>
+            <a:r>
+              <a:rPr lang="en-US" sz="2400" dirty="0" err="1" smtClean="0"/>
+              <a:t>Himonides</a:t>
+            </a:r>
+            <a:r>
+              <a:rPr lang="en-US" sz="2400" dirty="0" smtClean="0"/>
+              <a:t>(2016) shows that, recent </a:t>
+            </a:r>
+            <a:r>
+              <a:rPr lang="en-US" sz="2400" dirty="0"/>
+              <a:t>work found </a:t>
+            </a:r>
+            <a:r>
+              <a:rPr lang="en-US" sz="2400" dirty="0" smtClean="0"/>
+              <a:t>no differences </a:t>
+            </a:r>
+            <a:r>
+              <a:rPr lang="en-US" sz="2400" dirty="0"/>
+              <a:t>between male and female artists in terms of </a:t>
+            </a:r>
+            <a:r>
+              <a:rPr lang="en-US" sz="2400" dirty="0" smtClean="0"/>
+              <a:t>their high-level </a:t>
+            </a:r>
+            <a:r>
+              <a:rPr lang="en-US" sz="2400" dirty="0"/>
+              <a:t>compositional </a:t>
+            </a:r>
+            <a:r>
+              <a:rPr lang="en-US" sz="2400" dirty="0" smtClean="0"/>
+              <a:t>quality.</a:t>
+            </a:r>
+          </a:p>
+          <a:p>
+            <a:endParaRPr lang="en-US" sz="2400" dirty="0"/>
+          </a:p>
+          <a:p>
+            <a:r>
+              <a:rPr lang="en-US" sz="2400" dirty="0" smtClean="0"/>
+              <a:t>Gender gaps </a:t>
+            </a:r>
+            <a:r>
+              <a:rPr lang="en-US" sz="2400" dirty="0"/>
+              <a:t>are </a:t>
+            </a:r>
+            <a:r>
+              <a:rPr lang="en-US" sz="2400" dirty="0" smtClean="0"/>
+              <a:t>well-documented in </a:t>
+            </a:r>
+            <a:r>
+              <a:rPr lang="en-US" sz="2400" dirty="0"/>
+              <a:t>areas ranging from the </a:t>
+            </a:r>
+            <a:r>
+              <a:rPr lang="en-US" sz="2400" dirty="0" smtClean="0"/>
+              <a:t>releases </a:t>
+            </a:r>
+            <a:r>
+              <a:rPr lang="en-US" sz="2400" dirty="0"/>
+              <a:t>and wages (</a:t>
+            </a:r>
+            <a:r>
+              <a:rPr lang="en-US" sz="2400" dirty="0" err="1"/>
+              <a:t>Blau</a:t>
+            </a:r>
+            <a:r>
+              <a:rPr lang="en-US" sz="2400" dirty="0"/>
+              <a:t> </a:t>
+            </a:r>
+            <a:r>
+              <a:rPr lang="en-US" sz="2400" dirty="0" smtClean="0"/>
+              <a:t>and </a:t>
+            </a:r>
+            <a:r>
+              <a:rPr lang="nn-NO" sz="2400" dirty="0" smtClean="0"/>
+              <a:t>Kahn </a:t>
+            </a:r>
+            <a:r>
+              <a:rPr lang="nn-NO" sz="2400" dirty="0"/>
+              <a:t>2000; Kuhn and Villeval 2013</a:t>
+            </a:r>
+            <a:r>
+              <a:rPr lang="nn-NO" sz="2400" dirty="0" smtClean="0"/>
+              <a:t>).</a:t>
+            </a:r>
+          </a:p>
+          <a:p>
+            <a:endParaRPr lang="nn-NO" sz="2400" dirty="0" smtClean="0"/>
+          </a:p>
+          <a:p>
+            <a:r>
+              <a:rPr lang="en-US" sz="2400" dirty="0"/>
+              <a:t>Male artists work overall with nearly three times more record labels than female artists and record labels accept male artists more easily than </a:t>
+            </a:r>
+            <a:r>
+              <a:rPr lang="en-US" sz="2400" dirty="0" smtClean="0"/>
+              <a:t>female(</a:t>
+            </a:r>
+            <a:r>
+              <a:rPr lang="en-US" sz="2400" dirty="0" err="1"/>
+              <a:t>Yixue</a:t>
+            </a:r>
+            <a:r>
+              <a:rPr lang="en-US" sz="2400" dirty="0"/>
+              <a:t> Wang et. al. 2016</a:t>
+            </a:r>
+            <a:r>
+              <a:rPr lang="en-US" sz="2400" dirty="0" smtClean="0"/>
+              <a:t>).</a:t>
+            </a:r>
+          </a:p>
+          <a:p>
+            <a:endParaRPr lang="en-US" sz="2400" dirty="0"/>
+          </a:p>
+        </p:txBody>
+      </p:sp>
+    </p:spTree>
+    <p:extLst>
+      <p:ext uri="{BB962C8B-B14F-4D97-AF65-F5344CB8AC3E}">
+        <p14:creationId xmlns:p14="http://schemas.microsoft.com/office/powerpoint/2010/main" val="1883738295"/>
+      </p:ext>
+    </p:extLst>
+  </p:cSld>
+  <p:clrMapOvr>
+    <a:masterClrMapping/>
+  </p:clrMapOvr>
+</p:sld>
+</file>
+
+<file path=ppt/slides/slide4.xml><?xml version="1.0" encoding="utf-8"?>
+<p:sld xmlns:a="http://schemas.openxmlformats.org/drawingml/2006/main" xmlns:r="http://schemas.openxmlformats.org/officeDocument/2006/relationships" xmlns:p="http://schemas.openxmlformats.org/presentationml/2006/main">
+  <p:cSld>
+    <p:spTree>
+      <p:nvGrpSpPr>
+        <p:cNvPr id="1" name=""/>
+        <p:cNvGrpSpPr/>
+        <p:nvPr/>
+      </p:nvGrpSpPr>
+      <p:grpSpPr>
+        <a:xfrm>
+          <a:off x="0" y="0"/>
+          <a:ext cx="0" cy="0"/>
+          <a:chOff x="0" y="0"/>
+          <a:chExt cx="0" cy="0"/>
+        </a:xfrm>
+      </p:grpSpPr>
+      <p:sp>
+        <p:nvSpPr>
+          <p:cNvPr id="2" name="Title 1"/>
+          <p:cNvSpPr>
+            <a:spLocks noGrp="1"/>
+          </p:cNvSpPr>
+          <p:nvPr>
+            <p:ph type="title"/>
+          </p:nvPr>
+        </p:nvSpPr>
+        <p:spPr/>
+        <p:txBody>
+          <a:bodyPr/>
+          <a:lstStyle/>
+          <a:p>
+            <a:r>
+              <a:rPr lang="en-US"/>
+              <a:t>Data Crawling</a:t>
+            </a:r>
+          </a:p>
+        </p:txBody>
+      </p:sp>
+      <p:sp>
+        <p:nvSpPr>
+          <p:cNvPr id="3" name="Content Placeholder 2"/>
+          <p:cNvSpPr>
+            <a:spLocks noGrp="1"/>
+          </p:cNvSpPr>
+          <p:nvPr>
+            <p:ph idx="1"/>
+          </p:nvPr>
+        </p:nvSpPr>
+        <p:spPr/>
+        <p:txBody>
+          <a:bodyPr/>
+          <a:lstStyle/>
+          <a:p>
+            <a:pPr marL="0" indent="0">
+              <a:buNone/>
+            </a:pPr>
+            <a:r>
+              <a:rPr lang="en-US" dirty="0"/>
+              <a:t>Steps:</a:t>
+            </a:r>
+          </a:p>
+          <a:p>
+            <a:pPr fontAlgn="base"/>
+            <a:r>
+              <a:rPr lang="en-US" dirty="0"/>
+              <a:t>Finding URL formats</a:t>
+            </a:r>
+          </a:p>
+          <a:p>
+            <a:pPr fontAlgn="base"/>
+            <a:r>
+              <a:rPr lang="en-US" dirty="0"/>
+              <a:t>Sending requests</a:t>
+            </a:r>
+          </a:p>
+          <a:p>
+            <a:pPr fontAlgn="base"/>
+            <a:r>
+              <a:rPr lang="en-US" dirty="0"/>
+              <a:t>Receiving webpages</a:t>
+            </a:r>
+          </a:p>
+          <a:p>
+            <a:pPr fontAlgn="base"/>
+            <a:r>
+              <a:rPr lang="en-US" dirty="0"/>
+              <a:t>Finding tags</a:t>
+            </a:r>
+          </a:p>
+          <a:p>
+            <a:pPr fontAlgn="base"/>
+            <a:r>
+              <a:rPr lang="en-US" dirty="0"/>
+              <a:t>Checking existing elements</a:t>
+            </a:r>
+          </a:p>
+          <a:p>
+            <a:pPr fontAlgn="base"/>
+            <a:r>
+              <a:rPr lang="en-US" dirty="0"/>
+              <a:t>Retrieve and save data in data frame</a:t>
+            </a:r>
+          </a:p>
+          <a:p>
+            <a:pPr fontAlgn="base"/>
+            <a:r>
+              <a:rPr lang="en-US" dirty="0"/>
+              <a:t>Saving in </a:t>
+            </a:r>
+            <a:r>
+              <a:rPr lang="en-US" dirty="0" smtClean="0"/>
+              <a:t>file</a:t>
+            </a:r>
+            <a:endParaRPr lang="en-US" dirty="0"/>
+          </a:p>
+        </p:txBody>
+      </p:sp>
+    </p:spTree>
+    <p:extLst>
+      <p:ext uri="{BB962C8B-B14F-4D97-AF65-F5344CB8AC3E}">
+        <p14:creationId xmlns:p14="http://schemas.microsoft.com/office/powerpoint/2010/main" val="2902299768"/>
+      </p:ext>
+    </p:extLst>
+  </p:cSld>
+  <p:clrMapOvr>
+    <a:masterClrMapping/>
+  </p:clrMapOvr>
+</p:sld>
+</file>
+
+<file path=ppt/slides/slide5.xml><?xml version="1.0" encoding="utf-8"?>
+<p:sld xmlns:a="http://schemas.openxmlformats.org/drawingml/2006/main" xmlns:r="http://schemas.openxmlformats.org/officeDocument/2006/relationships" xmlns:p="http://schemas.openxmlformats.org/presentationml/2006/main">
+  <p:cSld>
+    <p:spTree>
+      <p:nvGrpSpPr>
+        <p:cNvPr id="1" name=""/>
+        <p:cNvGrpSpPr/>
+        <p:nvPr/>
+      </p:nvGrpSpPr>
+      <p:grpSpPr>
+        <a:xfrm>
+          <a:off x="0" y="0"/>
+          <a:ext cx="0" cy="0"/>
+          <a:chOff x="0" y="0"/>
+          <a:chExt cx="0" cy="0"/>
+        </a:xfrm>
+      </p:grpSpPr>
+      <p:sp>
+        <p:nvSpPr>
+          <p:cNvPr id="2" name="Title 1"/>
+          <p:cNvSpPr>
+            <a:spLocks noGrp="1"/>
+          </p:cNvSpPr>
+          <p:nvPr>
+            <p:ph type="title"/>
+          </p:nvPr>
+        </p:nvSpPr>
+        <p:spPr/>
+        <p:txBody>
+          <a:bodyPr/>
+          <a:lstStyle/>
+          <a:p>
+            <a:r>
+              <a:rPr lang="en-US" dirty="0" smtClean="0"/>
+              <a:t>Data Crawling</a:t>
+            </a:r>
+            <a:endParaRPr lang="en-US" dirty="0"/>
+          </a:p>
+        </p:txBody>
+      </p:sp>
+      <p:sp>
+        <p:nvSpPr>
+          <p:cNvPr id="3" name="Content Placeholder 2"/>
+          <p:cNvSpPr>
+            <a:spLocks noGrp="1"/>
+          </p:cNvSpPr>
+          <p:nvPr>
+            <p:ph idx="1"/>
+          </p:nvPr>
+        </p:nvSpPr>
+        <p:spPr/>
+        <p:txBody>
+          <a:bodyPr/>
+          <a:lstStyle/>
+          <a:p>
+            <a:r>
+              <a:rPr lang="en-US" dirty="0" smtClean="0"/>
+              <a:t>Crawled 64501 artists data</a:t>
+            </a:r>
+          </a:p>
+          <a:p>
+            <a:r>
+              <a:rPr lang="en-US" dirty="0" smtClean="0"/>
+              <a:t>Randomly 501</a:t>
+            </a:r>
+          </a:p>
+          <a:p>
+            <a:r>
+              <a:rPr lang="en-US" dirty="0" smtClean="0"/>
+              <a:t>97.8% was correctly specified </a:t>
+            </a:r>
+            <a:r>
+              <a:rPr lang="en-US" dirty="0"/>
+              <a:t>(Manual check)</a:t>
+            </a:r>
+          </a:p>
+          <a:p>
+            <a:endParaRPr lang="en-US" dirty="0" smtClean="0"/>
+          </a:p>
+        </p:txBody>
+      </p:sp>
+    </p:spTree>
+    <p:extLst>
+      <p:ext uri="{BB962C8B-B14F-4D97-AF65-F5344CB8AC3E}">
+        <p14:creationId xmlns:p14="http://schemas.microsoft.com/office/powerpoint/2010/main" val="895370"/>
+      </p:ext>
+    </p:extLst>
+  </p:cSld>
+  <p:clrMapOvr>
+    <a:masterClrMapping/>
+  </p:clrMapOvr>
+</p:sld>
+</file>
+
+<file path=ppt/slides/slide6.xml><?xml version="1.0" encoding="utf-8"?>
+<p:sld xmlns:a="http://schemas.openxmlformats.org/drawingml/2006/main" xmlns:r="http://schemas.openxmlformats.org/officeDocument/2006/relationships" xmlns:p="http://schemas.openxmlformats.org/presentationml/2006/main">
+  <p:cSld>
+    <p:spTree>
+      <p:nvGrpSpPr>
+        <p:cNvPr id="1" name=""/>
+        <p:cNvGrpSpPr/>
+        <p:nvPr/>
+      </p:nvGrpSpPr>
+      <p:grpSpPr>
+        <a:xfrm>
+          <a:off x="0" y="0"/>
+          <a:ext cx="0" cy="0"/>
+          <a:chOff x="0" y="0"/>
+          <a:chExt cx="0" cy="0"/>
+        </a:xfrm>
+      </p:grpSpPr>
+      <p:sp>
+        <p:nvSpPr>
+          <p:cNvPr id="2" name="Title 1"/>
+          <p:cNvSpPr>
+            <a:spLocks noGrp="1"/>
+          </p:cNvSpPr>
+          <p:nvPr>
+            <p:ph type="title"/>
+          </p:nvPr>
+        </p:nvSpPr>
+        <p:spPr/>
+        <p:txBody>
+          <a:bodyPr/>
+          <a:lstStyle/>
+          <a:p>
+            <a:r>
+              <a:rPr lang="en-US" dirty="0" smtClean="0"/>
+              <a:t>Methods</a:t>
+            </a:r>
+            <a:endParaRPr lang="en-US" dirty="0"/>
+          </a:p>
+        </p:txBody>
+      </p:sp>
+      <p:sp>
+        <p:nvSpPr>
+          <p:cNvPr id="3" name="Content Placeholder 2"/>
+          <p:cNvSpPr>
+            <a:spLocks noGrp="1"/>
+          </p:cNvSpPr>
+          <p:nvPr>
+            <p:ph idx="1"/>
+          </p:nvPr>
+        </p:nvSpPr>
+        <p:spPr/>
+        <p:txBody>
+          <a:bodyPr/>
+          <a:lstStyle/>
+          <a:p>
+            <a:r>
+              <a:rPr lang="en-US" dirty="0" smtClean="0"/>
+              <a:t>Descriptive Statistics</a:t>
+            </a:r>
+          </a:p>
+          <a:p>
+            <a:r>
+              <a:rPr lang="en-US" dirty="0" smtClean="0"/>
+              <a:t>Two sample independent T-test</a:t>
+            </a:r>
+          </a:p>
+          <a:p>
+            <a:endParaRPr lang="en-US" dirty="0"/>
+          </a:p>
+        </p:txBody>
+      </p:sp>
+    </p:spTree>
+    <p:extLst>
+      <p:ext uri="{BB962C8B-B14F-4D97-AF65-F5344CB8AC3E}">
+        <p14:creationId xmlns:p14="http://schemas.microsoft.com/office/powerpoint/2010/main" val="3077836039"/>
+      </p:ext>
+    </p:extLst>
+  </p:cSld>
+  <p:clrMapOvr>
+    <a:masterClrMapping/>
+  </p:clrMapOvr>
+</p:sld>
+</file>
+
 <file path=ppt/slides/slide7.xml><?xml version="1.0" encoding="utf-8"?>
 <p:sld xmlns:a="http://schemas.openxmlformats.org/drawingml/2006/main" xmlns:r="http://schemas.openxmlformats.org/officeDocument/2006/relationships" xmlns:p="http://schemas.openxmlformats.org/presentationml/2006/main">
   <p:cSld>
@@ -4291,7 +5693,11 @@
           <a:bodyPr/>
           <a:lstStyle/>
           <a:p>
-            <a:endParaRPr lang="en-US"/>
+            <a:r>
+              <a:rPr lang="en-US" dirty="0" smtClean="0"/>
+              <a:t>Representation Gap</a:t>
+            </a:r>
+            <a:endParaRPr lang="en-US" dirty="0"/>
           </a:p>
         </p:txBody>
       </p:sp>
@@ -4310,14 +5716,60 @@
           <a:bodyPr/>
           <a:lstStyle/>
           <a:p>
-            <a:endParaRPr lang="en-US"/>
-          </a:p>
-        </p:txBody>
-      </p:sp>
+            <a:r>
+              <a:rPr lang="en-US" dirty="0" smtClean="0"/>
+              <a:t>Total data 16915</a:t>
+            </a:r>
+          </a:p>
+          <a:p>
+            <a:r>
+              <a:rPr lang="en-US" dirty="0" smtClean="0"/>
+              <a:t>Male 89.27%</a:t>
+            </a:r>
+          </a:p>
+          <a:p>
+            <a:r>
+              <a:rPr lang="en-US" dirty="0" smtClean="0"/>
+              <a:t>Female 10.73%</a:t>
+            </a:r>
+            <a:endParaRPr lang="en-US" dirty="0"/>
+          </a:p>
+        </p:txBody>
+      </p:sp>
+      <p:pic>
+        <p:nvPicPr>
+          <p:cNvPr id="4" name="Picture 3"/>
+          <p:cNvPicPr>
+            <a:picLocks noChangeAspect="1"/>
+          </p:cNvPicPr>
+          <p:nvPr/>
+        </p:nvPicPr>
+        <p:blipFill>
+          <a:blip r:embed="rId2">
+            <a:extLst>
+              <a:ext uri="{28A0092B-C50C-407E-A947-70E740481C1C}">
+                <a14:useLocalDpi xmlns:a14="http://schemas.microsoft.com/office/drawing/2010/main" val="0"/>
+              </a:ext>
+            </a:extLst>
+          </a:blip>
+          <a:stretch>
+            <a:fillRect/>
+          </a:stretch>
+        </p:blipFill>
+        <p:spPr>
+          <a:xfrm>
+            <a:off x="5154706" y="1972324"/>
+            <a:ext cx="4410911" cy="3146523"/>
+          </a:xfrm>
+          <a:prstGeom prst="rect">
+            <a:avLst/>
+          </a:prstGeom>
+        </p:spPr>
+      </p:pic>
     </p:spTree>
     <p:extLst>
       <p:ext uri="{BB962C8B-B14F-4D97-AF65-F5344CB8AC3E}">
-        <p14:creationId xmlns:p14="http://schemas.microsoft.com/office/powerpoint/2010/main" val="2030577021"/>
+        <p14:creationId xmlns:p14="http://schemas.microsoft.com/office/powerpoint/2010/main" val="2852932878"/>
       </p:ext>
     </p:extLst>
   </p:cSld>
@@ -4354,31 +5806,247 @@
             <p:ph type="title"/>
           </p:nvPr>
         </p:nvSpPr>
+        <p:spPr/>
+        <p:txBody>
+          <a:bodyPr/>
+          <a:lstStyle/>
+          <a:p>
+            <a:r>
+              <a:rPr lang="en-US" dirty="0" smtClean="0"/>
+              <a:t>Trend Over the Years</a:t>
+            </a:r>
+            <a:endParaRPr lang="en-US" dirty="0"/>
+          </a:p>
+        </p:txBody>
+      </p:sp>
+      <p:pic>
+        <p:nvPicPr>
+          <p:cNvPr id="3" name="Picture 2"/>
+          <p:cNvPicPr>
+            <a:picLocks noChangeAspect="1"/>
+          </p:cNvPicPr>
+          <p:nvPr/>
+        </p:nvPicPr>
+        <p:blipFill>
+          <a:blip r:embed="rId2">
+            <a:extLst>
+              <a:ext uri="{28A0092B-C50C-407E-A947-70E740481C1C}">
+                <a14:useLocalDpi xmlns:a14="http://schemas.microsoft.com/office/drawing/2010/main" val="0"/>
+              </a:ext>
+            </a:extLst>
+          </a:blip>
+          <a:stretch>
+            <a:fillRect/>
+          </a:stretch>
+        </p:blipFill>
         <p:spPr>
           <a:xfrm>
-            <a:off x="874059" y="2409078"/>
-            <a:ext cx="10515600" cy="1325563"/>
+            <a:off x="934527" y="2145170"/>
+            <a:ext cx="4582164" cy="2753109"/>
           </a:xfrm>
+          <a:prstGeom prst="rect">
+            <a:avLst/>
+          </a:prstGeom>
         </p:spPr>
-        <p:txBody>
-          <a:bodyPr>
-            <a:noAutofit/>
-          </a:bodyPr>
-          <a:lstStyle/>
-          <a:p>
-            <a:pPr algn="ctr"/>
-            <a:r>
-              <a:rPr lang="en-US" sz="9600" dirty="0" smtClean="0"/>
-              <a:t>Thank You</a:t>
-            </a:r>
-            <a:endParaRPr lang="en-US" sz="9600" dirty="0"/>
-          </a:p>
-        </p:txBody>
-      </p:sp>
+      </p:pic>
+      <p:pic>
+        <p:nvPicPr>
+          <p:cNvPr id="6" name="Picture 5"/>
+          <p:cNvPicPr>
+            <a:picLocks noChangeAspect="1"/>
+          </p:cNvPicPr>
+          <p:nvPr/>
+        </p:nvPicPr>
+        <p:blipFill>
+          <a:blip r:embed="rId3">
+            <a:extLst>
+              <a:ext uri="{28A0092B-C50C-407E-A947-70E740481C1C}">
+                <a14:useLocalDpi xmlns:a14="http://schemas.microsoft.com/office/drawing/2010/main" val="0"/>
+              </a:ext>
+            </a:extLst>
+          </a:blip>
+          <a:stretch>
+            <a:fillRect/>
+          </a:stretch>
+        </p:blipFill>
+        <p:spPr>
+          <a:xfrm>
+            <a:off x="5302314" y="2225872"/>
+            <a:ext cx="4658375" cy="2734057"/>
+          </a:xfrm>
+          <a:prstGeom prst="rect">
+            <a:avLst/>
+          </a:prstGeom>
+        </p:spPr>
+      </p:pic>
     </p:spTree>
     <p:extLst>
       <p:ext uri="{BB962C8B-B14F-4D97-AF65-F5344CB8AC3E}">
-        <p14:creationId xmlns:p14="http://schemas.microsoft.com/office/powerpoint/2010/main" val="3479997455"/>
+        <p14:creationId xmlns:p14="http://schemas.microsoft.com/office/powerpoint/2010/main" val="2032142904"/>
+      </p:ext>
+    </p:extLst>
+  </p:cSld>
+  <p:clrMapOvr>
+    <a:masterClrMapping/>
+  </p:clrMapOvr>
+</p:sld>
+</file>
+
+<file path=ppt/slides/slide9.xml><?xml version="1.0" encoding="utf-8"?>
+<p:sld xmlns:a="http://schemas.openxmlformats.org/drawingml/2006/main" xmlns:r="http://schemas.openxmlformats.org/officeDocument/2006/relationships" xmlns:p="http://schemas.openxmlformats.org/presentationml/2006/main">
+  <p:cSld>
+    <p:spTree>
+      <p:nvGrpSpPr>
+        <p:cNvPr id="1" name=""/>
+        <p:cNvGrpSpPr/>
+        <p:nvPr/>
+      </p:nvGrpSpPr>
+      <p:grpSpPr>
+        <a:xfrm>
+          <a:off x="0" y="0"/>
+          <a:ext cx="0" cy="0"/>
+          <a:chOff x="0" y="0"/>
+          <a:chExt cx="0" cy="0"/>
+        </a:xfrm>
+      </p:grpSpPr>
+      <p:sp>
+        <p:nvSpPr>
+          <p:cNvPr id="2" name="Title 1"/>
+          <p:cNvSpPr>
+            <a:spLocks noGrp="1"/>
+          </p:cNvSpPr>
+          <p:nvPr>
+            <p:ph type="title"/>
+          </p:nvPr>
+        </p:nvSpPr>
+        <p:spPr/>
+        <p:txBody>
+          <a:bodyPr/>
+          <a:lstStyle/>
+          <a:p>
+            <a:r>
+              <a:rPr lang="en-US" dirty="0" smtClean="0"/>
+              <a:t>Productivity Gap</a:t>
+            </a:r>
+            <a:endParaRPr lang="en-US" dirty="0"/>
+          </a:p>
+        </p:txBody>
+      </p:sp>
+      <p:sp>
+        <p:nvSpPr>
+          <p:cNvPr id="3" name="Content Placeholder 2"/>
+          <p:cNvSpPr>
+            <a:spLocks noGrp="1"/>
+          </p:cNvSpPr>
+          <p:nvPr>
+            <p:ph idx="1"/>
+          </p:nvPr>
+        </p:nvSpPr>
+        <p:spPr/>
+        <p:txBody>
+          <a:bodyPr/>
+          <a:lstStyle/>
+          <a:p>
+            <a:r>
+              <a:rPr lang="en-US" dirty="0" smtClean="0"/>
+              <a:t>Total Releases by</a:t>
+            </a:r>
+          </a:p>
+          <a:p>
+            <a:pPr marL="0" indent="0">
+              <a:buNone/>
+            </a:pPr>
+            <a:r>
+              <a:rPr lang="en-US" dirty="0" smtClean="0"/>
+              <a:t>    Male    218352</a:t>
+            </a:r>
+          </a:p>
+          <a:p>
+            <a:pPr marL="0" indent="0">
+              <a:buNone/>
+            </a:pPr>
+            <a:r>
+              <a:rPr lang="en-US" dirty="0"/>
+              <a:t> </a:t>
+            </a:r>
+            <a:r>
+              <a:rPr lang="en-US" dirty="0" smtClean="0"/>
+              <a:t>   Female  13354</a:t>
+            </a:r>
+          </a:p>
+          <a:p>
+            <a:pPr marL="0" indent="0">
+              <a:buNone/>
+            </a:pPr>
+            <a:endParaRPr lang="en-US" dirty="0" smtClean="0"/>
+          </a:p>
+          <a:p>
+            <a:pPr marL="0" indent="0">
+              <a:buNone/>
+            </a:pPr>
+            <a:endParaRPr lang="en-US" dirty="0"/>
+          </a:p>
+          <a:p>
+            <a:pPr marL="0" indent="0">
+              <a:buNone/>
+            </a:pPr>
+            <a:endParaRPr lang="en-US" dirty="0" smtClean="0"/>
+          </a:p>
+          <a:p>
+            <a:pPr marL="0" indent="0">
+              <a:buNone/>
+            </a:pPr>
+            <a:endParaRPr lang="en-US" dirty="0"/>
+          </a:p>
+          <a:p>
+            <a:pPr marL="0" indent="0">
+              <a:buNone/>
+            </a:pPr>
+            <a:r>
+              <a:rPr lang="en-US" dirty="0" smtClean="0"/>
+              <a:t>Male artists have on an average double releases than Female artists.</a:t>
+            </a:r>
+            <a:endParaRPr lang="en-US" dirty="0"/>
+          </a:p>
+          <a:p>
+            <a:endParaRPr lang="en-US" dirty="0"/>
+          </a:p>
+        </p:txBody>
+      </p:sp>
+      <p:pic>
+        <p:nvPicPr>
+          <p:cNvPr id="4" name="Picture 3"/>
+          <p:cNvPicPr>
+            <a:picLocks noChangeAspect="1"/>
+          </p:cNvPicPr>
+          <p:nvPr/>
+        </p:nvPicPr>
+        <p:blipFill>
+          <a:blip r:embed="rId2">
+            <a:extLst>
+              <a:ext uri="{28A0092B-C50C-407E-A947-70E740481C1C}">
+                <a14:useLocalDpi xmlns:a14="http://schemas.microsoft.com/office/drawing/2010/main" val="0"/>
+              </a:ext>
+            </a:extLst>
+          </a:blip>
+          <a:stretch>
+            <a:fillRect/>
+          </a:stretch>
+        </p:blipFill>
+        <p:spPr>
+          <a:xfrm>
+            <a:off x="4643718" y="1604682"/>
+            <a:ext cx="6508375" cy="3263153"/>
+          </a:xfrm>
+          <a:prstGeom prst="rect">
+            <a:avLst/>
+          </a:prstGeom>
+        </p:spPr>
+      </p:pic>
+    </p:spTree>
+    <p:extLst>
+      <p:ext uri="{BB962C8B-B14F-4D97-AF65-F5344CB8AC3E}">
+        <p14:creationId xmlns:p14="http://schemas.microsoft.com/office/powerpoint/2010/main" val="3061436050"/>
       </p:ext>
     </p:extLst>
   </p:cSld>
